--- a/Screenshots/Схемы.pptx
+++ b/Screenshots/Схемы.pptx
@@ -8,6 +8,7 @@
     <p:sldId id="256" r:id="rId2"/>
     <p:sldId id="257" r:id="rId3"/>
     <p:sldId id="258" r:id="rId4"/>
+    <p:sldId id="259" r:id="rId5"/>
   </p:sldIdLst>
   <p:sldSz cx="12192000" cy="6858000"/>
   <p:notesSz cx="6858000" cy="9144000"/>
@@ -261,7 +262,7 @@
           <a:p>
             <a:fld id="{3BD99382-8AA1-47E5-8FD3-5E7AD6441C47}" type="datetimeFigureOut">
               <a:rPr lang="ru-RU" smtClean="0"/>
-              <a:t>06.12.2022</a:t>
+              <a:t>13.12.2022</a:t>
             </a:fld>
             <a:endParaRPr lang="ru-RU"/>
           </a:p>
@@ -459,7 +460,7 @@
           <a:p>
             <a:fld id="{3BD99382-8AA1-47E5-8FD3-5E7AD6441C47}" type="datetimeFigureOut">
               <a:rPr lang="ru-RU" smtClean="0"/>
-              <a:t>06.12.2022</a:t>
+              <a:t>13.12.2022</a:t>
             </a:fld>
             <a:endParaRPr lang="ru-RU"/>
           </a:p>
@@ -667,7 +668,7 @@
           <a:p>
             <a:fld id="{3BD99382-8AA1-47E5-8FD3-5E7AD6441C47}" type="datetimeFigureOut">
               <a:rPr lang="ru-RU" smtClean="0"/>
-              <a:t>06.12.2022</a:t>
+              <a:t>13.12.2022</a:t>
             </a:fld>
             <a:endParaRPr lang="ru-RU"/>
           </a:p>
@@ -865,7 +866,7 @@
           <a:p>
             <a:fld id="{3BD99382-8AA1-47E5-8FD3-5E7AD6441C47}" type="datetimeFigureOut">
               <a:rPr lang="ru-RU" smtClean="0"/>
-              <a:t>06.12.2022</a:t>
+              <a:t>13.12.2022</a:t>
             </a:fld>
             <a:endParaRPr lang="ru-RU"/>
           </a:p>
@@ -1140,7 +1141,7 @@
           <a:p>
             <a:fld id="{3BD99382-8AA1-47E5-8FD3-5E7AD6441C47}" type="datetimeFigureOut">
               <a:rPr lang="ru-RU" smtClean="0"/>
-              <a:t>06.12.2022</a:t>
+              <a:t>13.12.2022</a:t>
             </a:fld>
             <a:endParaRPr lang="ru-RU"/>
           </a:p>
@@ -1405,7 +1406,7 @@
           <a:p>
             <a:fld id="{3BD99382-8AA1-47E5-8FD3-5E7AD6441C47}" type="datetimeFigureOut">
               <a:rPr lang="ru-RU" smtClean="0"/>
-              <a:t>06.12.2022</a:t>
+              <a:t>13.12.2022</a:t>
             </a:fld>
             <a:endParaRPr lang="ru-RU"/>
           </a:p>
@@ -1817,7 +1818,7 @@
           <a:p>
             <a:fld id="{3BD99382-8AA1-47E5-8FD3-5E7AD6441C47}" type="datetimeFigureOut">
               <a:rPr lang="ru-RU" smtClean="0"/>
-              <a:t>06.12.2022</a:t>
+              <a:t>13.12.2022</a:t>
             </a:fld>
             <a:endParaRPr lang="ru-RU"/>
           </a:p>
@@ -1958,7 +1959,7 @@
           <a:p>
             <a:fld id="{3BD99382-8AA1-47E5-8FD3-5E7AD6441C47}" type="datetimeFigureOut">
               <a:rPr lang="ru-RU" smtClean="0"/>
-              <a:t>06.12.2022</a:t>
+              <a:t>13.12.2022</a:t>
             </a:fld>
             <a:endParaRPr lang="ru-RU"/>
           </a:p>
@@ -2071,7 +2072,7 @@
           <a:p>
             <a:fld id="{3BD99382-8AA1-47E5-8FD3-5E7AD6441C47}" type="datetimeFigureOut">
               <a:rPr lang="ru-RU" smtClean="0"/>
-              <a:t>06.12.2022</a:t>
+              <a:t>13.12.2022</a:t>
             </a:fld>
             <a:endParaRPr lang="ru-RU"/>
           </a:p>
@@ -2382,7 +2383,7 @@
           <a:p>
             <a:fld id="{3BD99382-8AA1-47E5-8FD3-5E7AD6441C47}" type="datetimeFigureOut">
               <a:rPr lang="ru-RU" smtClean="0"/>
-              <a:t>06.12.2022</a:t>
+              <a:t>13.12.2022</a:t>
             </a:fld>
             <a:endParaRPr lang="ru-RU"/>
           </a:p>
@@ -2670,7 +2671,7 @@
           <a:p>
             <a:fld id="{3BD99382-8AA1-47E5-8FD3-5E7AD6441C47}" type="datetimeFigureOut">
               <a:rPr lang="ru-RU" smtClean="0"/>
-              <a:t>06.12.2022</a:t>
+              <a:t>13.12.2022</a:t>
             </a:fld>
             <a:endParaRPr lang="ru-RU"/>
           </a:p>
@@ -2911,7 +2912,7 @@
           <a:p>
             <a:fld id="{3BD99382-8AA1-47E5-8FD3-5E7AD6441C47}" type="datetimeFigureOut">
               <a:rPr lang="ru-RU" smtClean="0"/>
-              <a:t>06.12.2022</a:t>
+              <a:t>13.12.2022</a:t>
             </a:fld>
             <a:endParaRPr lang="ru-RU"/>
           </a:p>
@@ -3398,6 +3399,47 @@
           </a:prstGeom>
         </p:spPr>
       </p:pic>
+      <p:pic>
+        <p:nvPicPr>
+          <p:cNvPr id="4" name="Рисунок 3">
+            <a:extLst>
+              <a:ext uri="{FF2B5EF4-FFF2-40B4-BE49-F238E27FC236}">
+                <a16:creationId xmlns:a16="http://schemas.microsoft.com/office/drawing/2014/main" id="{A5888D6E-8E25-4E17-BC94-D931DA1C500F}"/>
+              </a:ext>
+            </a:extLst>
+          </p:cNvPr>
+          <p:cNvPicPr/>
+          <p:nvPr/>
+        </p:nvPicPr>
+        <p:blipFill rotWithShape="1">
+          <a:blip r:embed="rId4">
+            <a:extLst>
+              <a:ext uri="{28A0092B-C50C-407E-A947-70E740481C1C}">
+                <a14:useLocalDpi xmlns:a14="http://schemas.microsoft.com/office/drawing/2010/main" val="0"/>
+              </a:ext>
+            </a:extLst>
+          </a:blip>
+          <a:srcRect l="8597" t="3601" r="2833"/>
+          <a:stretch/>
+        </p:blipFill>
+        <p:spPr bwMode="auto">
+          <a:xfrm>
+            <a:off x="5680477" y="-1467874"/>
+            <a:ext cx="6267311" cy="5136330"/>
+          </a:xfrm>
+          <a:prstGeom prst="rect">
+            <a:avLst/>
+          </a:prstGeom>
+          <a:ln>
+            <a:noFill/>
+          </a:ln>
+          <a:extLst>
+            <a:ext uri="{53640926-AAD7-44D8-BBD7-CCE9431645EC}">
+              <a14:shadowObscured xmlns:a14="http://schemas.microsoft.com/office/drawing/2010/main"/>
+            </a:ext>
+          </a:extLst>
+        </p:spPr>
+      </p:pic>
     </p:spTree>
     <p:extLst>
       <p:ext uri="{BB962C8B-B14F-4D97-AF65-F5344CB8AC3E}">
@@ -5169,6 +5211,1841 @@
     <p:extLst>
       <p:ext uri="{BB962C8B-B14F-4D97-AF65-F5344CB8AC3E}">
         <p14:creationId xmlns:p14="http://schemas.microsoft.com/office/powerpoint/2010/main" val="2951998102"/>
+      </p:ext>
+    </p:extLst>
+  </p:cSld>
+  <p:clrMapOvr>
+    <a:masterClrMapping/>
+  </p:clrMapOvr>
+</p:sld>
+</file>
+
+<file path=ppt/slides/slide4.xml><?xml version="1.0" encoding="utf-8"?>
+<p:sld xmlns:a="http://schemas.openxmlformats.org/drawingml/2006/main" xmlns:r="http://schemas.openxmlformats.org/officeDocument/2006/relationships" xmlns:p="http://schemas.openxmlformats.org/presentationml/2006/main">
+  <p:cSld>
+    <p:spTree>
+      <p:nvGrpSpPr>
+        <p:cNvPr id="1" name=""/>
+        <p:cNvGrpSpPr/>
+        <p:nvPr/>
+      </p:nvGrpSpPr>
+      <p:grpSpPr>
+        <a:xfrm>
+          <a:off x="0" y="0"/>
+          <a:ext cx="0" cy="0"/>
+          <a:chOff x="0" y="0"/>
+          <a:chExt cx="0" cy="0"/>
+        </a:xfrm>
+      </p:grpSpPr>
+      <p:grpSp>
+        <p:nvGrpSpPr>
+          <p:cNvPr id="67" name="Группа 66">
+            <a:extLst>
+              <a:ext uri="{FF2B5EF4-FFF2-40B4-BE49-F238E27FC236}">
+                <a16:creationId xmlns:a16="http://schemas.microsoft.com/office/drawing/2014/main" id="{1077D8E5-62F7-4546-9F7E-6C7036556D49}"/>
+              </a:ext>
+            </a:extLst>
+          </p:cNvPr>
+          <p:cNvGrpSpPr/>
+          <p:nvPr/>
+        </p:nvGrpSpPr>
+        <p:grpSpPr>
+          <a:xfrm>
+            <a:off x="1490216" y="75901"/>
+            <a:ext cx="3770050" cy="2485748"/>
+            <a:chOff x="1490216" y="75901"/>
+            <a:chExt cx="3770050" cy="2485748"/>
+          </a:xfrm>
+        </p:grpSpPr>
+        <p:sp>
+          <p:nvSpPr>
+            <p:cNvPr id="5" name="Куб 4">
+              <a:extLst>
+                <a:ext uri="{FF2B5EF4-FFF2-40B4-BE49-F238E27FC236}">
+                  <a16:creationId xmlns:a16="http://schemas.microsoft.com/office/drawing/2014/main" id="{6365772A-3172-4D2B-AC34-00D67BCE3BB2}"/>
+                </a:ext>
+              </a:extLst>
+            </p:cNvPr>
+            <p:cNvSpPr/>
+            <p:nvPr/>
+          </p:nvSpPr>
+          <p:spPr>
+            <a:xfrm>
+              <a:off x="1490216" y="75901"/>
+              <a:ext cx="3770050" cy="2485748"/>
+            </a:xfrm>
+            <a:prstGeom prst="cube">
+              <a:avLst>
+                <a:gd name="adj" fmla="val 10357"/>
+              </a:avLst>
+            </a:prstGeom>
+            <a:solidFill>
+              <a:schemeClr val="accent1">
+                <a:alpha val="50000"/>
+              </a:schemeClr>
+            </a:solidFill>
+            <a:ln>
+              <a:solidFill>
+                <a:schemeClr val="tx1"/>
+              </a:solidFill>
+            </a:ln>
+          </p:spPr>
+          <p:style>
+            <a:lnRef idx="0">
+              <a:scrgbClr r="0" g="0" b="0"/>
+            </a:lnRef>
+            <a:fillRef idx="0">
+              <a:scrgbClr r="0" g="0" b="0"/>
+            </a:fillRef>
+            <a:effectRef idx="0">
+              <a:scrgbClr r="0" g="0" b="0"/>
+            </a:effectRef>
+            <a:fontRef idx="minor">
+              <a:schemeClr val="lt1"/>
+            </a:fontRef>
+          </p:style>
+          <p:txBody>
+            <a:bodyPr rtlCol="0" anchor="ctr"/>
+            <a:lstStyle/>
+            <a:p>
+              <a:pPr algn="ctr"/>
+              <a:endParaRPr lang="ru-RU" dirty="0"/>
+            </a:p>
+          </p:txBody>
+        </p:sp>
+        <p:sp>
+          <p:nvSpPr>
+            <p:cNvPr id="6" name="TextBox 5">
+              <a:extLst>
+                <a:ext uri="{FF2B5EF4-FFF2-40B4-BE49-F238E27FC236}">
+                  <a16:creationId xmlns:a16="http://schemas.microsoft.com/office/drawing/2014/main" id="{FF8A5F57-B37C-4A9D-879D-E04F68DDF00A}"/>
+                </a:ext>
+              </a:extLst>
+            </p:cNvPr>
+            <p:cNvSpPr txBox="1"/>
+            <p:nvPr/>
+          </p:nvSpPr>
+          <p:spPr>
+            <a:xfrm>
+              <a:off x="2425330" y="422129"/>
+              <a:ext cx="1899821" cy="369332"/>
+            </a:xfrm>
+            <a:prstGeom prst="rect">
+              <a:avLst/>
+            </a:prstGeom>
+            <a:noFill/>
+          </p:spPr>
+          <p:txBody>
+            <a:bodyPr wrap="square" rtlCol="0">
+              <a:spAutoFit/>
+            </a:bodyPr>
+            <a:lstStyle/>
+            <a:p>
+              <a:r>
+                <a:rPr lang="ru-RU" dirty="0"/>
+                <a:t>ПК пользователя</a:t>
+              </a:r>
+            </a:p>
+          </p:txBody>
+        </p:sp>
+        <p:sp>
+          <p:nvSpPr>
+            <p:cNvPr id="7" name="Куб 6">
+              <a:extLst>
+                <a:ext uri="{FF2B5EF4-FFF2-40B4-BE49-F238E27FC236}">
+                  <a16:creationId xmlns:a16="http://schemas.microsoft.com/office/drawing/2014/main" id="{7D661C2C-711B-411C-99D1-B91FE74FADFD}"/>
+                </a:ext>
+              </a:extLst>
+            </p:cNvPr>
+            <p:cNvSpPr/>
+            <p:nvPr/>
+          </p:nvSpPr>
+          <p:spPr>
+            <a:xfrm>
+              <a:off x="1951855" y="972544"/>
+              <a:ext cx="2654423" cy="1322773"/>
+            </a:xfrm>
+            <a:prstGeom prst="cube">
+              <a:avLst>
+                <a:gd name="adj" fmla="val 10906"/>
+              </a:avLst>
+            </a:prstGeom>
+            <a:ln>
+              <a:solidFill>
+                <a:schemeClr val="tx1"/>
+              </a:solidFill>
+            </a:ln>
+          </p:spPr>
+          <p:style>
+            <a:lnRef idx="2">
+              <a:schemeClr val="accent1">
+                <a:shade val="50000"/>
+              </a:schemeClr>
+            </a:lnRef>
+            <a:fillRef idx="1">
+              <a:schemeClr val="accent1"/>
+            </a:fillRef>
+            <a:effectRef idx="0">
+              <a:schemeClr val="accent1"/>
+            </a:effectRef>
+            <a:fontRef idx="minor">
+              <a:schemeClr val="lt1"/>
+            </a:fontRef>
+          </p:style>
+          <p:txBody>
+            <a:bodyPr rtlCol="0" anchor="ctr"/>
+            <a:lstStyle/>
+            <a:p>
+              <a:pPr algn="ctr"/>
+              <a:endParaRPr lang="ru-RU"/>
+            </a:p>
+          </p:txBody>
+        </p:sp>
+        <p:sp>
+          <p:nvSpPr>
+            <p:cNvPr id="8" name="TextBox 7">
+              <a:extLst>
+                <a:ext uri="{FF2B5EF4-FFF2-40B4-BE49-F238E27FC236}">
+                  <a16:creationId xmlns:a16="http://schemas.microsoft.com/office/drawing/2014/main" id="{AA3AFA11-ED35-4A84-9FF7-53D51C44A535}"/>
+                </a:ext>
+              </a:extLst>
+            </p:cNvPr>
+            <p:cNvSpPr txBox="1"/>
+            <p:nvPr/>
+          </p:nvSpPr>
+          <p:spPr>
+            <a:xfrm>
+              <a:off x="2022875" y="1155418"/>
+              <a:ext cx="2376257" cy="646331"/>
+            </a:xfrm>
+            <a:prstGeom prst="rect">
+              <a:avLst/>
+            </a:prstGeom>
+            <a:noFill/>
+          </p:spPr>
+          <p:txBody>
+            <a:bodyPr wrap="square" rtlCol="0">
+              <a:spAutoFit/>
+            </a:bodyPr>
+            <a:lstStyle/>
+            <a:p>
+              <a:r>
+                <a:rPr lang="ru-RU" sz="1400" dirty="0"/>
+                <a:t>«Среда исполнения»</a:t>
+              </a:r>
+              <a:r>
+                <a:rPr lang="ru-RU" dirty="0"/>
+                <a:t> </a:t>
+              </a:r>
+              <a:br>
+                <a:rPr lang="en-US" dirty="0"/>
+              </a:br>
+              <a:r>
+                <a:rPr lang="en-US" dirty="0"/>
+                <a:t>JDK 17</a:t>
+              </a:r>
+              <a:endParaRPr lang="ru-RU" dirty="0"/>
+            </a:p>
+          </p:txBody>
+        </p:sp>
+        <p:sp>
+          <p:nvSpPr>
+            <p:cNvPr id="9" name="Прямоугольник: скругленные углы 8">
+              <a:extLst>
+                <a:ext uri="{FF2B5EF4-FFF2-40B4-BE49-F238E27FC236}">
+                  <a16:creationId xmlns:a16="http://schemas.microsoft.com/office/drawing/2014/main" id="{26CA7FA2-4779-403D-8B4E-B8B312C89E51}"/>
+                </a:ext>
+              </a:extLst>
+            </p:cNvPr>
+            <p:cNvSpPr/>
+            <p:nvPr/>
+          </p:nvSpPr>
+          <p:spPr>
+            <a:xfrm>
+              <a:off x="3026054" y="1533577"/>
+              <a:ext cx="1299098" cy="646331"/>
+            </a:xfrm>
+            <a:prstGeom prst="roundRect">
+              <a:avLst/>
+            </a:prstGeom>
+            <a:solidFill>
+              <a:srgbClr val="FEA0B0"/>
+            </a:solidFill>
+            <a:ln>
+              <a:solidFill>
+                <a:schemeClr val="tx1"/>
+              </a:solidFill>
+            </a:ln>
+          </p:spPr>
+          <p:style>
+            <a:lnRef idx="1">
+              <a:schemeClr val="accent2"/>
+            </a:lnRef>
+            <a:fillRef idx="2">
+              <a:schemeClr val="accent2"/>
+            </a:fillRef>
+            <a:effectRef idx="1">
+              <a:schemeClr val="accent2"/>
+            </a:effectRef>
+            <a:fontRef idx="minor">
+              <a:schemeClr val="dk1"/>
+            </a:fontRef>
+          </p:style>
+          <p:txBody>
+            <a:bodyPr rtlCol="0" anchor="ctr"/>
+            <a:lstStyle/>
+            <a:p>
+              <a:pPr algn="ctr"/>
+              <a:endParaRPr lang="ru-RU"/>
+            </a:p>
+          </p:txBody>
+        </p:sp>
+        <p:sp>
+          <p:nvSpPr>
+            <p:cNvPr id="10" name="TextBox 9">
+              <a:extLst>
+                <a:ext uri="{FF2B5EF4-FFF2-40B4-BE49-F238E27FC236}">
+                  <a16:creationId xmlns:a16="http://schemas.microsoft.com/office/drawing/2014/main" id="{0B073BC9-E75C-48F6-A030-7C905E217706}"/>
+                </a:ext>
+              </a:extLst>
+            </p:cNvPr>
+            <p:cNvSpPr txBox="1"/>
+            <p:nvPr/>
+          </p:nvSpPr>
+          <p:spPr>
+            <a:xfrm>
+              <a:off x="2980185" y="1662809"/>
+              <a:ext cx="1031288" cy="369332"/>
+            </a:xfrm>
+            <a:prstGeom prst="rect">
+              <a:avLst/>
+            </a:prstGeom>
+            <a:noFill/>
+          </p:spPr>
+          <p:txBody>
+            <a:bodyPr wrap="square" rtlCol="0">
+              <a:spAutoFit/>
+            </a:bodyPr>
+            <a:lstStyle/>
+            <a:p>
+              <a:r>
+                <a:rPr lang="en-US" dirty="0"/>
+                <a:t>Client.jar</a:t>
+              </a:r>
+              <a:endParaRPr lang="ru-RU" dirty="0"/>
+            </a:p>
+          </p:txBody>
+        </p:sp>
+        <p:grpSp>
+          <p:nvGrpSpPr>
+            <p:cNvPr id="14" name="Группа 13">
+              <a:extLst>
+                <a:ext uri="{FF2B5EF4-FFF2-40B4-BE49-F238E27FC236}">
+                  <a16:creationId xmlns:a16="http://schemas.microsoft.com/office/drawing/2014/main" id="{E7304D6C-FEE0-4FBC-AB5B-FFE0AD11A656}"/>
+                </a:ext>
+              </a:extLst>
+            </p:cNvPr>
+            <p:cNvGrpSpPr/>
+            <p:nvPr/>
+          </p:nvGrpSpPr>
+          <p:grpSpPr>
+            <a:xfrm>
+              <a:off x="4023313" y="1625052"/>
+              <a:ext cx="218982" cy="250443"/>
+              <a:chOff x="3207800" y="2001913"/>
+              <a:chExt cx="218982" cy="250443"/>
+            </a:xfrm>
+          </p:grpSpPr>
+          <p:sp>
+            <p:nvSpPr>
+              <p:cNvPr id="11" name="Прямоугольник: скругленные углы 10">
+                <a:extLst>
+                  <a:ext uri="{FF2B5EF4-FFF2-40B4-BE49-F238E27FC236}">
+                    <a16:creationId xmlns:a16="http://schemas.microsoft.com/office/drawing/2014/main" id="{FC14C1A6-E9CE-4840-A039-2951296E3311}"/>
+                  </a:ext>
+                </a:extLst>
+              </p:cNvPr>
+              <p:cNvSpPr/>
+              <p:nvPr/>
+            </p:nvSpPr>
+            <p:spPr>
+              <a:xfrm>
+                <a:off x="3240351" y="2001913"/>
+                <a:ext cx="186431" cy="250443"/>
+              </a:xfrm>
+              <a:prstGeom prst="roundRect">
+                <a:avLst/>
+              </a:prstGeom>
+              <a:solidFill>
+                <a:srgbClr val="FFC0CB"/>
+              </a:solidFill>
+              <a:ln>
+                <a:solidFill>
+                  <a:schemeClr val="tx1"/>
+                </a:solidFill>
+              </a:ln>
+            </p:spPr>
+            <p:style>
+              <a:lnRef idx="2">
+                <a:schemeClr val="accent1">
+                  <a:shade val="50000"/>
+                </a:schemeClr>
+              </a:lnRef>
+              <a:fillRef idx="1">
+                <a:schemeClr val="accent1"/>
+              </a:fillRef>
+              <a:effectRef idx="0">
+                <a:schemeClr val="accent1"/>
+              </a:effectRef>
+              <a:fontRef idx="minor">
+                <a:schemeClr val="lt1"/>
+              </a:fontRef>
+            </p:style>
+            <p:txBody>
+              <a:bodyPr rtlCol="0" anchor="ctr"/>
+              <a:lstStyle/>
+              <a:p>
+                <a:pPr algn="ctr"/>
+                <a:endParaRPr lang="ru-RU"/>
+              </a:p>
+            </p:txBody>
+          </p:sp>
+          <p:sp>
+            <p:nvSpPr>
+              <p:cNvPr id="12" name="Прямоугольник: скругленные углы 11">
+                <a:extLst>
+                  <a:ext uri="{FF2B5EF4-FFF2-40B4-BE49-F238E27FC236}">
+                    <a16:creationId xmlns:a16="http://schemas.microsoft.com/office/drawing/2014/main" id="{0394139C-85C3-4614-9ADC-842259B6C66D}"/>
+                  </a:ext>
+                </a:extLst>
+              </p:cNvPr>
+              <p:cNvSpPr/>
+              <p:nvPr/>
+            </p:nvSpPr>
+            <p:spPr>
+              <a:xfrm>
+                <a:off x="3207800" y="2038904"/>
+                <a:ext cx="61416" cy="45719"/>
+              </a:xfrm>
+              <a:prstGeom prst="roundRect">
+                <a:avLst/>
+              </a:prstGeom>
+              <a:solidFill>
+                <a:srgbClr val="FFC0CB"/>
+              </a:solidFill>
+              <a:ln>
+                <a:solidFill>
+                  <a:schemeClr val="tx1"/>
+                </a:solidFill>
+              </a:ln>
+            </p:spPr>
+            <p:style>
+              <a:lnRef idx="2">
+                <a:schemeClr val="accent1">
+                  <a:shade val="50000"/>
+                </a:schemeClr>
+              </a:lnRef>
+              <a:fillRef idx="1">
+                <a:schemeClr val="accent1"/>
+              </a:fillRef>
+              <a:effectRef idx="0">
+                <a:schemeClr val="accent1"/>
+              </a:effectRef>
+              <a:fontRef idx="minor">
+                <a:schemeClr val="lt1"/>
+              </a:fontRef>
+            </p:style>
+            <p:txBody>
+              <a:bodyPr rtlCol="0" anchor="ctr"/>
+              <a:lstStyle/>
+              <a:p>
+                <a:pPr algn="ctr"/>
+                <a:endParaRPr lang="ru-RU" dirty="0"/>
+              </a:p>
+            </p:txBody>
+          </p:sp>
+          <p:sp>
+            <p:nvSpPr>
+              <p:cNvPr id="13" name="Прямоугольник: скругленные углы 12">
+                <a:extLst>
+                  <a:ext uri="{FF2B5EF4-FFF2-40B4-BE49-F238E27FC236}">
+                    <a16:creationId xmlns:a16="http://schemas.microsoft.com/office/drawing/2014/main" id="{9D0B4726-5698-4311-87AE-EF9E5A190821}"/>
+                  </a:ext>
+                </a:extLst>
+              </p:cNvPr>
+              <p:cNvSpPr/>
+              <p:nvPr/>
+            </p:nvSpPr>
+            <p:spPr>
+              <a:xfrm>
+                <a:off x="3209279" y="2155792"/>
+                <a:ext cx="61416" cy="45719"/>
+              </a:xfrm>
+              <a:prstGeom prst="roundRect">
+                <a:avLst/>
+              </a:prstGeom>
+              <a:solidFill>
+                <a:srgbClr val="FFC0CB"/>
+              </a:solidFill>
+              <a:ln>
+                <a:solidFill>
+                  <a:schemeClr val="tx1"/>
+                </a:solidFill>
+              </a:ln>
+            </p:spPr>
+            <p:style>
+              <a:lnRef idx="2">
+                <a:schemeClr val="accent1">
+                  <a:shade val="50000"/>
+                </a:schemeClr>
+              </a:lnRef>
+              <a:fillRef idx="1">
+                <a:schemeClr val="accent1"/>
+              </a:fillRef>
+              <a:effectRef idx="0">
+                <a:schemeClr val="accent1"/>
+              </a:effectRef>
+              <a:fontRef idx="minor">
+                <a:schemeClr val="lt1"/>
+              </a:fontRef>
+            </p:style>
+            <p:txBody>
+              <a:bodyPr rtlCol="0" anchor="ctr"/>
+              <a:lstStyle/>
+              <a:p>
+                <a:pPr algn="ctr"/>
+                <a:endParaRPr lang="ru-RU"/>
+              </a:p>
+            </p:txBody>
+          </p:sp>
+        </p:grpSp>
+      </p:grpSp>
+      <p:grpSp>
+        <p:nvGrpSpPr>
+          <p:cNvPr id="69" name="Группа 68">
+            <a:extLst>
+              <a:ext uri="{FF2B5EF4-FFF2-40B4-BE49-F238E27FC236}">
+                <a16:creationId xmlns:a16="http://schemas.microsoft.com/office/drawing/2014/main" id="{C118983C-E803-4D6C-AE19-938994DF6102}"/>
+              </a:ext>
+            </a:extLst>
+          </p:cNvPr>
+          <p:cNvGrpSpPr/>
+          <p:nvPr/>
+        </p:nvGrpSpPr>
+        <p:grpSpPr>
+          <a:xfrm>
+            <a:off x="1448540" y="4309543"/>
+            <a:ext cx="3770050" cy="2485748"/>
+            <a:chOff x="1448540" y="4309543"/>
+            <a:chExt cx="3770050" cy="2485748"/>
+          </a:xfrm>
+        </p:grpSpPr>
+        <p:sp>
+          <p:nvSpPr>
+            <p:cNvPr id="29" name="Куб 28">
+              <a:extLst>
+                <a:ext uri="{FF2B5EF4-FFF2-40B4-BE49-F238E27FC236}">
+                  <a16:creationId xmlns:a16="http://schemas.microsoft.com/office/drawing/2014/main" id="{EA79C711-254D-47DC-B25C-E5796D596DEF}"/>
+                </a:ext>
+              </a:extLst>
+            </p:cNvPr>
+            <p:cNvSpPr/>
+            <p:nvPr/>
+          </p:nvSpPr>
+          <p:spPr>
+            <a:xfrm>
+              <a:off x="1448540" y="4309543"/>
+              <a:ext cx="3770050" cy="2485748"/>
+            </a:xfrm>
+            <a:prstGeom prst="cube">
+              <a:avLst>
+                <a:gd name="adj" fmla="val 10357"/>
+              </a:avLst>
+            </a:prstGeom>
+            <a:solidFill>
+              <a:schemeClr val="accent1">
+                <a:alpha val="50000"/>
+              </a:schemeClr>
+            </a:solidFill>
+            <a:ln>
+              <a:solidFill>
+                <a:schemeClr val="tx1"/>
+              </a:solidFill>
+            </a:ln>
+          </p:spPr>
+          <p:style>
+            <a:lnRef idx="0">
+              <a:scrgbClr r="0" g="0" b="0"/>
+            </a:lnRef>
+            <a:fillRef idx="0">
+              <a:scrgbClr r="0" g="0" b="0"/>
+            </a:fillRef>
+            <a:effectRef idx="0">
+              <a:scrgbClr r="0" g="0" b="0"/>
+            </a:effectRef>
+            <a:fontRef idx="minor">
+              <a:schemeClr val="lt1"/>
+            </a:fontRef>
+          </p:style>
+          <p:txBody>
+            <a:bodyPr rtlCol="0" anchor="ctr"/>
+            <a:lstStyle/>
+            <a:p>
+              <a:pPr algn="ctr"/>
+              <a:endParaRPr lang="ru-RU" dirty="0"/>
+            </a:p>
+          </p:txBody>
+        </p:sp>
+        <p:sp>
+          <p:nvSpPr>
+            <p:cNvPr id="30" name="TextBox 29">
+              <a:extLst>
+                <a:ext uri="{FF2B5EF4-FFF2-40B4-BE49-F238E27FC236}">
+                  <a16:creationId xmlns:a16="http://schemas.microsoft.com/office/drawing/2014/main" id="{DD973257-5B4E-40B6-8E8D-A8E29482D47D}"/>
+                </a:ext>
+              </a:extLst>
+            </p:cNvPr>
+            <p:cNvSpPr txBox="1"/>
+            <p:nvPr/>
+          </p:nvSpPr>
+          <p:spPr>
+            <a:xfrm>
+              <a:off x="2120529" y="4643361"/>
+              <a:ext cx="2180948" cy="369332"/>
+            </a:xfrm>
+            <a:prstGeom prst="rect">
+              <a:avLst/>
+            </a:prstGeom>
+            <a:noFill/>
+          </p:spPr>
+          <p:txBody>
+            <a:bodyPr wrap="square" rtlCol="0">
+              <a:spAutoFit/>
+            </a:bodyPr>
+            <a:lstStyle/>
+            <a:p>
+              <a:r>
+                <a:rPr lang="ru-RU" dirty="0"/>
+                <a:t>Сервер приложения</a:t>
+              </a:r>
+            </a:p>
+          </p:txBody>
+        </p:sp>
+        <p:sp>
+          <p:nvSpPr>
+            <p:cNvPr id="31" name="Куб 30">
+              <a:extLst>
+                <a:ext uri="{FF2B5EF4-FFF2-40B4-BE49-F238E27FC236}">
+                  <a16:creationId xmlns:a16="http://schemas.microsoft.com/office/drawing/2014/main" id="{B1B756BE-38B5-4037-AD91-B891B48ABB65}"/>
+                </a:ext>
+              </a:extLst>
+            </p:cNvPr>
+            <p:cNvSpPr/>
+            <p:nvPr/>
+          </p:nvSpPr>
+          <p:spPr>
+            <a:xfrm>
+              <a:off x="1910179" y="5206186"/>
+              <a:ext cx="2654423" cy="1322773"/>
+            </a:xfrm>
+            <a:prstGeom prst="cube">
+              <a:avLst>
+                <a:gd name="adj" fmla="val 10906"/>
+              </a:avLst>
+            </a:prstGeom>
+            <a:ln>
+              <a:solidFill>
+                <a:schemeClr val="tx1"/>
+              </a:solidFill>
+            </a:ln>
+          </p:spPr>
+          <p:style>
+            <a:lnRef idx="2">
+              <a:schemeClr val="accent1">
+                <a:shade val="50000"/>
+              </a:schemeClr>
+            </a:lnRef>
+            <a:fillRef idx="1">
+              <a:schemeClr val="accent1"/>
+            </a:fillRef>
+            <a:effectRef idx="0">
+              <a:schemeClr val="accent1"/>
+            </a:effectRef>
+            <a:fontRef idx="minor">
+              <a:schemeClr val="lt1"/>
+            </a:fontRef>
+          </p:style>
+          <p:txBody>
+            <a:bodyPr rtlCol="0" anchor="ctr"/>
+            <a:lstStyle/>
+            <a:p>
+              <a:pPr algn="ctr"/>
+              <a:endParaRPr lang="ru-RU"/>
+            </a:p>
+          </p:txBody>
+        </p:sp>
+        <p:sp>
+          <p:nvSpPr>
+            <p:cNvPr id="32" name="TextBox 31">
+              <a:extLst>
+                <a:ext uri="{FF2B5EF4-FFF2-40B4-BE49-F238E27FC236}">
+                  <a16:creationId xmlns:a16="http://schemas.microsoft.com/office/drawing/2014/main" id="{50CD3267-CF25-44EE-B018-EAD3601E858B}"/>
+                </a:ext>
+              </a:extLst>
+            </p:cNvPr>
+            <p:cNvSpPr txBox="1"/>
+            <p:nvPr/>
+          </p:nvSpPr>
+          <p:spPr>
+            <a:xfrm>
+              <a:off x="1981199" y="5389060"/>
+              <a:ext cx="2376257" cy="646331"/>
+            </a:xfrm>
+            <a:prstGeom prst="rect">
+              <a:avLst/>
+            </a:prstGeom>
+            <a:noFill/>
+          </p:spPr>
+          <p:txBody>
+            <a:bodyPr wrap="square" rtlCol="0">
+              <a:spAutoFit/>
+            </a:bodyPr>
+            <a:lstStyle/>
+            <a:p>
+              <a:r>
+                <a:rPr lang="ru-RU" sz="1400" dirty="0"/>
+                <a:t>«Среда исполнения»</a:t>
+              </a:r>
+              <a:r>
+                <a:rPr lang="ru-RU" dirty="0"/>
+                <a:t> </a:t>
+              </a:r>
+              <a:br>
+                <a:rPr lang="en-US" dirty="0"/>
+              </a:br>
+              <a:r>
+                <a:rPr lang="en-US" dirty="0"/>
+                <a:t>JDK 17</a:t>
+              </a:r>
+              <a:endParaRPr lang="ru-RU" dirty="0"/>
+            </a:p>
+          </p:txBody>
+        </p:sp>
+        <p:sp>
+          <p:nvSpPr>
+            <p:cNvPr id="33" name="Прямоугольник: скругленные углы 32">
+              <a:extLst>
+                <a:ext uri="{FF2B5EF4-FFF2-40B4-BE49-F238E27FC236}">
+                  <a16:creationId xmlns:a16="http://schemas.microsoft.com/office/drawing/2014/main" id="{FD358AE3-2E40-429F-A513-0A0438CA92CB}"/>
+                </a:ext>
+              </a:extLst>
+            </p:cNvPr>
+            <p:cNvSpPr/>
+            <p:nvPr/>
+          </p:nvSpPr>
+          <p:spPr>
+            <a:xfrm>
+              <a:off x="2984378" y="5767219"/>
+              <a:ext cx="1299098" cy="646331"/>
+            </a:xfrm>
+            <a:prstGeom prst="roundRect">
+              <a:avLst/>
+            </a:prstGeom>
+            <a:solidFill>
+              <a:srgbClr val="FEA0B0"/>
+            </a:solidFill>
+            <a:ln>
+              <a:solidFill>
+                <a:schemeClr val="tx1"/>
+              </a:solidFill>
+            </a:ln>
+          </p:spPr>
+          <p:style>
+            <a:lnRef idx="1">
+              <a:schemeClr val="accent2"/>
+            </a:lnRef>
+            <a:fillRef idx="2">
+              <a:schemeClr val="accent2"/>
+            </a:fillRef>
+            <a:effectRef idx="1">
+              <a:schemeClr val="accent2"/>
+            </a:effectRef>
+            <a:fontRef idx="minor">
+              <a:schemeClr val="dk1"/>
+            </a:fontRef>
+          </p:style>
+          <p:txBody>
+            <a:bodyPr rtlCol="0" anchor="ctr"/>
+            <a:lstStyle/>
+            <a:p>
+              <a:pPr algn="ctr"/>
+              <a:endParaRPr lang="ru-RU"/>
+            </a:p>
+          </p:txBody>
+        </p:sp>
+        <p:sp>
+          <p:nvSpPr>
+            <p:cNvPr id="34" name="TextBox 33">
+              <a:extLst>
+                <a:ext uri="{FF2B5EF4-FFF2-40B4-BE49-F238E27FC236}">
+                  <a16:creationId xmlns:a16="http://schemas.microsoft.com/office/drawing/2014/main" id="{049F3CCC-CD91-4106-A652-343DB1BA7F59}"/>
+                </a:ext>
+              </a:extLst>
+            </p:cNvPr>
+            <p:cNvSpPr txBox="1"/>
+            <p:nvPr/>
+          </p:nvSpPr>
+          <p:spPr>
+            <a:xfrm>
+              <a:off x="2929634" y="5905783"/>
+              <a:ext cx="1081839" cy="369332"/>
+            </a:xfrm>
+            <a:prstGeom prst="rect">
+              <a:avLst/>
+            </a:prstGeom>
+            <a:noFill/>
+          </p:spPr>
+          <p:txBody>
+            <a:bodyPr wrap="square" rtlCol="0">
+              <a:spAutoFit/>
+            </a:bodyPr>
+            <a:lstStyle/>
+            <a:p>
+              <a:r>
+                <a:rPr lang="en-US" dirty="0"/>
+                <a:t>Server.jar</a:t>
+              </a:r>
+              <a:endParaRPr lang="ru-RU" dirty="0"/>
+            </a:p>
+          </p:txBody>
+        </p:sp>
+        <p:grpSp>
+          <p:nvGrpSpPr>
+            <p:cNvPr id="35" name="Группа 34">
+              <a:extLst>
+                <a:ext uri="{FF2B5EF4-FFF2-40B4-BE49-F238E27FC236}">
+                  <a16:creationId xmlns:a16="http://schemas.microsoft.com/office/drawing/2014/main" id="{41D185E1-BD35-4F54-9C00-2AB6A826F457}"/>
+                </a:ext>
+              </a:extLst>
+            </p:cNvPr>
+            <p:cNvGrpSpPr/>
+            <p:nvPr/>
+          </p:nvGrpSpPr>
+          <p:grpSpPr>
+            <a:xfrm>
+              <a:off x="3990514" y="5867572"/>
+              <a:ext cx="218983" cy="250443"/>
+              <a:chOff x="3216677" y="2010791"/>
+              <a:chExt cx="218983" cy="250443"/>
+            </a:xfrm>
+          </p:grpSpPr>
+          <p:sp>
+            <p:nvSpPr>
+              <p:cNvPr id="36" name="Прямоугольник: скругленные углы 35">
+                <a:extLst>
+                  <a:ext uri="{FF2B5EF4-FFF2-40B4-BE49-F238E27FC236}">
+                    <a16:creationId xmlns:a16="http://schemas.microsoft.com/office/drawing/2014/main" id="{7D57BC8D-84B9-4311-BDB8-D785486CBE99}"/>
+                  </a:ext>
+                </a:extLst>
+              </p:cNvPr>
+              <p:cNvSpPr/>
+              <p:nvPr/>
+            </p:nvSpPr>
+            <p:spPr>
+              <a:xfrm>
+                <a:off x="3249229" y="2010791"/>
+                <a:ext cx="186431" cy="250443"/>
+              </a:xfrm>
+              <a:prstGeom prst="roundRect">
+                <a:avLst/>
+              </a:prstGeom>
+              <a:solidFill>
+                <a:srgbClr val="FFC0CB"/>
+              </a:solidFill>
+              <a:ln>
+                <a:solidFill>
+                  <a:schemeClr val="tx1"/>
+                </a:solidFill>
+              </a:ln>
+            </p:spPr>
+            <p:style>
+              <a:lnRef idx="2">
+                <a:schemeClr val="accent1">
+                  <a:shade val="50000"/>
+                </a:schemeClr>
+              </a:lnRef>
+              <a:fillRef idx="1">
+                <a:schemeClr val="accent1"/>
+              </a:fillRef>
+              <a:effectRef idx="0">
+                <a:schemeClr val="accent1"/>
+              </a:effectRef>
+              <a:fontRef idx="minor">
+                <a:schemeClr val="lt1"/>
+              </a:fontRef>
+            </p:style>
+            <p:txBody>
+              <a:bodyPr rtlCol="0" anchor="ctr"/>
+              <a:lstStyle/>
+              <a:p>
+                <a:pPr algn="ctr"/>
+                <a:endParaRPr lang="ru-RU"/>
+              </a:p>
+            </p:txBody>
+          </p:sp>
+          <p:sp>
+            <p:nvSpPr>
+              <p:cNvPr id="37" name="Прямоугольник: скругленные углы 36">
+                <a:extLst>
+                  <a:ext uri="{FF2B5EF4-FFF2-40B4-BE49-F238E27FC236}">
+                    <a16:creationId xmlns:a16="http://schemas.microsoft.com/office/drawing/2014/main" id="{58A1CE38-B94F-40CE-89C2-4CB397E67C00}"/>
+                  </a:ext>
+                </a:extLst>
+              </p:cNvPr>
+              <p:cNvSpPr/>
+              <p:nvPr/>
+            </p:nvSpPr>
+            <p:spPr>
+              <a:xfrm>
+                <a:off x="3216677" y="2047782"/>
+                <a:ext cx="85817" cy="63883"/>
+              </a:xfrm>
+              <a:prstGeom prst="roundRect">
+                <a:avLst/>
+              </a:prstGeom>
+              <a:solidFill>
+                <a:srgbClr val="FFC0CB"/>
+              </a:solidFill>
+              <a:ln>
+                <a:solidFill>
+                  <a:schemeClr val="tx1"/>
+                </a:solidFill>
+              </a:ln>
+            </p:spPr>
+            <p:style>
+              <a:lnRef idx="2">
+                <a:schemeClr val="accent1">
+                  <a:shade val="50000"/>
+                </a:schemeClr>
+              </a:lnRef>
+              <a:fillRef idx="1">
+                <a:schemeClr val="accent1"/>
+              </a:fillRef>
+              <a:effectRef idx="0">
+                <a:schemeClr val="accent1"/>
+              </a:effectRef>
+              <a:fontRef idx="minor">
+                <a:schemeClr val="lt1"/>
+              </a:fontRef>
+            </p:style>
+            <p:txBody>
+              <a:bodyPr rtlCol="0" anchor="ctr"/>
+              <a:lstStyle/>
+              <a:p>
+                <a:pPr algn="ctr"/>
+                <a:endParaRPr lang="ru-RU" dirty="0"/>
+              </a:p>
+            </p:txBody>
+          </p:sp>
+          <p:sp>
+            <p:nvSpPr>
+              <p:cNvPr id="38" name="Прямоугольник: скругленные углы 37">
+                <a:extLst>
+                  <a:ext uri="{FF2B5EF4-FFF2-40B4-BE49-F238E27FC236}">
+                    <a16:creationId xmlns:a16="http://schemas.microsoft.com/office/drawing/2014/main" id="{E4AEE69D-BF5E-47CC-B38A-B9F24481E74D}"/>
+                  </a:ext>
+                </a:extLst>
+              </p:cNvPr>
+              <p:cNvSpPr/>
+              <p:nvPr/>
+            </p:nvSpPr>
+            <p:spPr>
+              <a:xfrm>
+                <a:off x="3218156" y="2164670"/>
+                <a:ext cx="85817" cy="63883"/>
+              </a:xfrm>
+              <a:prstGeom prst="roundRect">
+                <a:avLst/>
+              </a:prstGeom>
+              <a:solidFill>
+                <a:srgbClr val="FFC0CB"/>
+              </a:solidFill>
+              <a:ln>
+                <a:solidFill>
+                  <a:schemeClr val="tx1"/>
+                </a:solidFill>
+              </a:ln>
+            </p:spPr>
+            <p:style>
+              <a:lnRef idx="2">
+                <a:schemeClr val="accent1">
+                  <a:shade val="50000"/>
+                </a:schemeClr>
+              </a:lnRef>
+              <a:fillRef idx="1">
+                <a:schemeClr val="accent1"/>
+              </a:fillRef>
+              <a:effectRef idx="0">
+                <a:schemeClr val="accent1"/>
+              </a:effectRef>
+              <a:fontRef idx="minor">
+                <a:schemeClr val="lt1"/>
+              </a:fontRef>
+            </p:style>
+            <p:txBody>
+              <a:bodyPr rtlCol="0" anchor="ctr"/>
+              <a:lstStyle/>
+              <a:p>
+                <a:pPr algn="ctr"/>
+                <a:endParaRPr lang="ru-RU"/>
+              </a:p>
+            </p:txBody>
+          </p:sp>
+        </p:grpSp>
+      </p:grpSp>
+      <p:grpSp>
+        <p:nvGrpSpPr>
+          <p:cNvPr id="68" name="Группа 67">
+            <a:extLst>
+              <a:ext uri="{FF2B5EF4-FFF2-40B4-BE49-F238E27FC236}">
+                <a16:creationId xmlns:a16="http://schemas.microsoft.com/office/drawing/2014/main" id="{AB8442C1-D3C6-43EE-B802-845FBFC4D46C}"/>
+              </a:ext>
+            </a:extLst>
+          </p:cNvPr>
+          <p:cNvGrpSpPr/>
+          <p:nvPr/>
+        </p:nvGrpSpPr>
+        <p:grpSpPr>
+          <a:xfrm>
+            <a:off x="97656" y="2570669"/>
+            <a:ext cx="2698810" cy="1879199"/>
+            <a:chOff x="97656" y="2570669"/>
+            <a:chExt cx="2698810" cy="1879199"/>
+          </a:xfrm>
+        </p:grpSpPr>
+        <p:grpSp>
+          <p:nvGrpSpPr>
+            <p:cNvPr id="17" name="Группа 16">
+              <a:extLst>
+                <a:ext uri="{FF2B5EF4-FFF2-40B4-BE49-F238E27FC236}">
+                  <a16:creationId xmlns:a16="http://schemas.microsoft.com/office/drawing/2014/main" id="{EBE1E5E6-A61F-4CF4-8345-88A6FA6C23BC}"/>
+                </a:ext>
+              </a:extLst>
+            </p:cNvPr>
+            <p:cNvGrpSpPr/>
+            <p:nvPr/>
+          </p:nvGrpSpPr>
+          <p:grpSpPr>
+            <a:xfrm>
+              <a:off x="97656" y="3042524"/>
+              <a:ext cx="2050741" cy="774006"/>
+              <a:chOff x="976544" y="3790765"/>
+              <a:chExt cx="2050741" cy="949911"/>
+            </a:xfrm>
+          </p:grpSpPr>
+          <p:sp>
+            <p:nvSpPr>
+              <p:cNvPr id="15" name="Куб 14">
+                <a:extLst>
+                  <a:ext uri="{FF2B5EF4-FFF2-40B4-BE49-F238E27FC236}">
+                    <a16:creationId xmlns:a16="http://schemas.microsoft.com/office/drawing/2014/main" id="{4D8BF61E-C779-4AB0-BDF7-4FF8878AD82E}"/>
+                  </a:ext>
+                </a:extLst>
+              </p:cNvPr>
+              <p:cNvSpPr/>
+              <p:nvPr/>
+            </p:nvSpPr>
+            <p:spPr>
+              <a:xfrm>
+                <a:off x="976544" y="3790765"/>
+                <a:ext cx="2050741" cy="949911"/>
+              </a:xfrm>
+              <a:prstGeom prst="cube">
+                <a:avLst>
+                  <a:gd name="adj" fmla="val 11916"/>
+                </a:avLst>
+              </a:prstGeom>
+              <a:ln>
+                <a:solidFill>
+                  <a:schemeClr val="tx1"/>
+                </a:solidFill>
+              </a:ln>
+            </p:spPr>
+            <p:style>
+              <a:lnRef idx="1">
+                <a:schemeClr val="accent3"/>
+              </a:lnRef>
+              <a:fillRef idx="2">
+                <a:schemeClr val="accent3"/>
+              </a:fillRef>
+              <a:effectRef idx="1">
+                <a:schemeClr val="accent3"/>
+              </a:effectRef>
+              <a:fontRef idx="minor">
+                <a:schemeClr val="dk1"/>
+              </a:fontRef>
+            </p:style>
+            <p:txBody>
+              <a:bodyPr rtlCol="0" anchor="ctr"/>
+              <a:lstStyle/>
+              <a:p>
+                <a:pPr algn="ctr"/>
+                <a:endParaRPr lang="ru-RU"/>
+              </a:p>
+            </p:txBody>
+          </p:sp>
+          <p:sp>
+            <p:nvSpPr>
+              <p:cNvPr id="16" name="TextBox 15">
+                <a:extLst>
+                  <a:ext uri="{FF2B5EF4-FFF2-40B4-BE49-F238E27FC236}">
+                    <a16:creationId xmlns:a16="http://schemas.microsoft.com/office/drawing/2014/main" id="{DF50C3B0-8B40-481B-B56C-5A427E8196D2}"/>
+                  </a:ext>
+                </a:extLst>
+              </p:cNvPr>
+              <p:cNvSpPr txBox="1"/>
+              <p:nvPr/>
+            </p:nvSpPr>
+            <p:spPr>
+              <a:xfrm>
+                <a:off x="1066801" y="3942554"/>
+                <a:ext cx="1793289" cy="584775"/>
+              </a:xfrm>
+              <a:prstGeom prst="rect">
+                <a:avLst/>
+              </a:prstGeom>
+              <a:noFill/>
+            </p:spPr>
+            <p:txBody>
+              <a:bodyPr wrap="square" rtlCol="0">
+                <a:spAutoFit/>
+              </a:bodyPr>
+              <a:lstStyle/>
+              <a:p>
+                <a:pPr algn="ctr"/>
+                <a:r>
+                  <a:rPr lang="ru-RU" sz="1400" dirty="0"/>
+                  <a:t>«Устройство»</a:t>
+                </a:r>
+              </a:p>
+              <a:p>
+                <a:pPr algn="ctr"/>
+                <a:r>
+                  <a:rPr lang="ru-RU" dirty="0"/>
+                  <a:t>Интернет канал</a:t>
+                </a:r>
+              </a:p>
+            </p:txBody>
+          </p:sp>
+        </p:grpSp>
+        <p:cxnSp>
+          <p:nvCxnSpPr>
+            <p:cNvPr id="40" name="Прямая соединительная линия 39">
+              <a:extLst>
+                <a:ext uri="{FF2B5EF4-FFF2-40B4-BE49-F238E27FC236}">
+                  <a16:creationId xmlns:a16="http://schemas.microsoft.com/office/drawing/2014/main" id="{AD39BD8A-ACF7-43C8-B2C0-31BEE5AECFF3}"/>
+                </a:ext>
+              </a:extLst>
+            </p:cNvPr>
+            <p:cNvCxnSpPr>
+              <a:cxnSpLocks/>
+              <a:endCxn id="15" idx="0"/>
+            </p:cNvCxnSpPr>
+            <p:nvPr/>
+          </p:nvCxnSpPr>
+          <p:spPr>
+            <a:xfrm flipH="1">
+              <a:off x="1169142" y="2570669"/>
+              <a:ext cx="1241145" cy="471855"/>
+            </a:xfrm>
+            <a:prstGeom prst="line">
+              <a:avLst/>
+            </a:prstGeom>
+          </p:spPr>
+          <p:style>
+            <a:lnRef idx="1">
+              <a:schemeClr val="dk1"/>
+            </a:lnRef>
+            <a:fillRef idx="0">
+              <a:schemeClr val="dk1"/>
+            </a:fillRef>
+            <a:effectRef idx="0">
+              <a:schemeClr val="dk1"/>
+            </a:effectRef>
+            <a:fontRef idx="minor">
+              <a:schemeClr val="tx1"/>
+            </a:fontRef>
+          </p:style>
+        </p:cxnSp>
+        <p:cxnSp>
+          <p:nvCxnSpPr>
+            <p:cNvPr id="43" name="Прямая соединительная линия 42">
+              <a:extLst>
+                <a:ext uri="{FF2B5EF4-FFF2-40B4-BE49-F238E27FC236}">
+                  <a16:creationId xmlns:a16="http://schemas.microsoft.com/office/drawing/2014/main" id="{AD6286FD-20DE-4712-841F-CB77D5549F56}"/>
+                </a:ext>
+              </a:extLst>
+            </p:cNvPr>
+            <p:cNvCxnSpPr>
+              <a:cxnSpLocks/>
+              <a:endCxn id="15" idx="3"/>
+            </p:cNvCxnSpPr>
+            <p:nvPr/>
+          </p:nvCxnSpPr>
+          <p:spPr>
+            <a:xfrm flipH="1" flipV="1">
+              <a:off x="1076911" y="3816530"/>
+              <a:ext cx="1719555" cy="633338"/>
+            </a:xfrm>
+            <a:prstGeom prst="line">
+              <a:avLst/>
+            </a:prstGeom>
+          </p:spPr>
+          <p:style>
+            <a:lnRef idx="1">
+              <a:schemeClr val="dk1"/>
+            </a:lnRef>
+            <a:fillRef idx="0">
+              <a:schemeClr val="dk1"/>
+            </a:fillRef>
+            <a:effectRef idx="0">
+              <a:schemeClr val="dk1"/>
+            </a:effectRef>
+            <a:fontRef idx="minor">
+              <a:schemeClr val="tx1"/>
+            </a:fontRef>
+          </p:style>
+        </p:cxnSp>
+        <p:sp>
+          <p:nvSpPr>
+            <p:cNvPr id="48" name="Прямоугольник 47">
+              <a:extLst>
+                <a:ext uri="{FF2B5EF4-FFF2-40B4-BE49-F238E27FC236}">
+                  <a16:creationId xmlns:a16="http://schemas.microsoft.com/office/drawing/2014/main" id="{06C405CA-B220-4883-87E6-E5B627E113BF}"/>
+                </a:ext>
+              </a:extLst>
+            </p:cNvPr>
+            <p:cNvSpPr/>
+            <p:nvPr/>
+          </p:nvSpPr>
+          <p:spPr>
+            <a:xfrm>
+              <a:off x="1490217" y="3990369"/>
+              <a:ext cx="724270" cy="145335"/>
+            </a:xfrm>
+            <a:prstGeom prst="rect">
+              <a:avLst/>
+            </a:prstGeom>
+            <a:solidFill>
+              <a:schemeClr val="bg1"/>
+            </a:solidFill>
+            <a:ln>
+              <a:solidFill>
+                <a:schemeClr val="bg1"/>
+              </a:solidFill>
+            </a:ln>
+          </p:spPr>
+          <p:style>
+            <a:lnRef idx="2">
+              <a:schemeClr val="accent1">
+                <a:shade val="50000"/>
+              </a:schemeClr>
+            </a:lnRef>
+            <a:fillRef idx="1">
+              <a:schemeClr val="accent1"/>
+            </a:fillRef>
+            <a:effectRef idx="0">
+              <a:schemeClr val="accent1"/>
+            </a:effectRef>
+            <a:fontRef idx="minor">
+              <a:schemeClr val="lt1"/>
+            </a:fontRef>
+          </p:style>
+          <p:txBody>
+            <a:bodyPr rtlCol="0" anchor="ctr"/>
+            <a:lstStyle/>
+            <a:p>
+              <a:pPr algn="ctr"/>
+              <a:r>
+                <a:rPr lang="en-US" sz="1400" dirty="0">
+                  <a:solidFill>
+                    <a:schemeClr val="tx1"/>
+                  </a:solidFill>
+                </a:rPr>
+                <a:t>TCP/IP</a:t>
+              </a:r>
+              <a:endParaRPr lang="ru-RU" sz="1400" dirty="0">
+                <a:solidFill>
+                  <a:schemeClr val="tx1"/>
+                </a:solidFill>
+              </a:endParaRPr>
+            </a:p>
+          </p:txBody>
+        </p:sp>
+        <p:sp>
+          <p:nvSpPr>
+            <p:cNvPr id="49" name="Прямоугольник 48">
+              <a:extLst>
+                <a:ext uri="{FF2B5EF4-FFF2-40B4-BE49-F238E27FC236}">
+                  <a16:creationId xmlns:a16="http://schemas.microsoft.com/office/drawing/2014/main" id="{FDEF713B-A127-4794-92DD-ACCEB3AC382C}"/>
+                </a:ext>
+              </a:extLst>
+            </p:cNvPr>
+            <p:cNvSpPr/>
+            <p:nvPr/>
+          </p:nvSpPr>
+          <p:spPr>
+            <a:xfrm>
+              <a:off x="1490216" y="2723350"/>
+              <a:ext cx="735366" cy="138435"/>
+            </a:xfrm>
+            <a:prstGeom prst="rect">
+              <a:avLst/>
+            </a:prstGeom>
+            <a:solidFill>
+              <a:schemeClr val="bg1"/>
+            </a:solidFill>
+            <a:ln>
+              <a:solidFill>
+                <a:schemeClr val="bg1"/>
+              </a:solidFill>
+            </a:ln>
+          </p:spPr>
+          <p:style>
+            <a:lnRef idx="2">
+              <a:schemeClr val="accent1">
+                <a:shade val="50000"/>
+              </a:schemeClr>
+            </a:lnRef>
+            <a:fillRef idx="1">
+              <a:schemeClr val="accent1"/>
+            </a:fillRef>
+            <a:effectRef idx="0">
+              <a:schemeClr val="accent1"/>
+            </a:effectRef>
+            <a:fontRef idx="minor">
+              <a:schemeClr val="lt1"/>
+            </a:fontRef>
+          </p:style>
+          <p:txBody>
+            <a:bodyPr rtlCol="0" anchor="ctr"/>
+            <a:lstStyle/>
+            <a:p>
+              <a:pPr algn="ctr"/>
+              <a:r>
+                <a:rPr lang="en-US" sz="1400" dirty="0">
+                  <a:solidFill>
+                    <a:schemeClr val="tx1"/>
+                  </a:solidFill>
+                </a:rPr>
+                <a:t>TCP/IP</a:t>
+              </a:r>
+              <a:endParaRPr lang="ru-RU" sz="1400" dirty="0">
+                <a:solidFill>
+                  <a:schemeClr val="tx1"/>
+                </a:solidFill>
+              </a:endParaRPr>
+            </a:p>
+          </p:txBody>
+        </p:sp>
+      </p:grpSp>
+      <p:grpSp>
+        <p:nvGrpSpPr>
+          <p:cNvPr id="60" name="Группа 59">
+            <a:extLst>
+              <a:ext uri="{FF2B5EF4-FFF2-40B4-BE49-F238E27FC236}">
+                <a16:creationId xmlns:a16="http://schemas.microsoft.com/office/drawing/2014/main" id="{540E31A9-FE24-484D-B230-B30EBCB6BB52}"/>
+              </a:ext>
+            </a:extLst>
+          </p:cNvPr>
+          <p:cNvGrpSpPr/>
+          <p:nvPr/>
+        </p:nvGrpSpPr>
+        <p:grpSpPr>
+          <a:xfrm>
+            <a:off x="6627183" y="4581629"/>
+            <a:ext cx="3493362" cy="1941576"/>
+            <a:chOff x="6627183" y="4581629"/>
+            <a:chExt cx="3493362" cy="1941576"/>
+          </a:xfrm>
+        </p:grpSpPr>
+        <p:sp>
+          <p:nvSpPr>
+            <p:cNvPr id="50" name="Куб 49">
+              <a:extLst>
+                <a:ext uri="{FF2B5EF4-FFF2-40B4-BE49-F238E27FC236}">
+                  <a16:creationId xmlns:a16="http://schemas.microsoft.com/office/drawing/2014/main" id="{EF28C9F7-93EA-4CB9-A47E-746C66453F5B}"/>
+                </a:ext>
+              </a:extLst>
+            </p:cNvPr>
+            <p:cNvSpPr/>
+            <p:nvPr/>
+          </p:nvSpPr>
+          <p:spPr>
+            <a:xfrm>
+              <a:off x="6627183" y="4581629"/>
+              <a:ext cx="3493362" cy="1941576"/>
+            </a:xfrm>
+            <a:prstGeom prst="cube">
+              <a:avLst>
+                <a:gd name="adj" fmla="val 10357"/>
+              </a:avLst>
+            </a:prstGeom>
+            <a:solidFill>
+              <a:schemeClr val="accent1">
+                <a:alpha val="50000"/>
+              </a:schemeClr>
+            </a:solidFill>
+            <a:ln>
+              <a:solidFill>
+                <a:schemeClr val="tx1"/>
+              </a:solidFill>
+            </a:ln>
+          </p:spPr>
+          <p:style>
+            <a:lnRef idx="0">
+              <a:scrgbClr r="0" g="0" b="0"/>
+            </a:lnRef>
+            <a:fillRef idx="0">
+              <a:scrgbClr r="0" g="0" b="0"/>
+            </a:fillRef>
+            <a:effectRef idx="0">
+              <a:scrgbClr r="0" g="0" b="0"/>
+            </a:effectRef>
+            <a:fontRef idx="minor">
+              <a:schemeClr val="lt1"/>
+            </a:fontRef>
+          </p:style>
+          <p:txBody>
+            <a:bodyPr rtlCol="0" anchor="ctr"/>
+            <a:lstStyle/>
+            <a:p>
+              <a:pPr algn="ctr"/>
+              <a:endParaRPr lang="ru-RU" dirty="0"/>
+            </a:p>
+          </p:txBody>
+        </p:sp>
+        <p:sp>
+          <p:nvSpPr>
+            <p:cNvPr id="51" name="TextBox 50">
+              <a:extLst>
+                <a:ext uri="{FF2B5EF4-FFF2-40B4-BE49-F238E27FC236}">
+                  <a16:creationId xmlns:a16="http://schemas.microsoft.com/office/drawing/2014/main" id="{9A11619D-96D3-4E01-BA01-393C823BBD5E}"/>
+                </a:ext>
+              </a:extLst>
+            </p:cNvPr>
+            <p:cNvSpPr txBox="1"/>
+            <p:nvPr/>
+          </p:nvSpPr>
+          <p:spPr>
+            <a:xfrm>
+              <a:off x="7664390" y="4885978"/>
+              <a:ext cx="1418947" cy="369332"/>
+            </a:xfrm>
+            <a:prstGeom prst="rect">
+              <a:avLst/>
+            </a:prstGeom>
+            <a:noFill/>
+          </p:spPr>
+          <p:txBody>
+            <a:bodyPr wrap="square" rtlCol="0">
+              <a:spAutoFit/>
+            </a:bodyPr>
+            <a:lstStyle/>
+            <a:p>
+              <a:r>
+                <a:rPr lang="en-US" dirty="0" err="1"/>
+                <a:t>MySql</a:t>
+              </a:r>
+              <a:r>
+                <a:rPr lang="en-US" dirty="0"/>
+                <a:t> server</a:t>
+              </a:r>
+              <a:endParaRPr lang="ru-RU" dirty="0"/>
+            </a:p>
+          </p:txBody>
+        </p:sp>
+        <p:sp>
+          <p:nvSpPr>
+            <p:cNvPr id="54" name="Прямоугольник: скругленные углы 53">
+              <a:extLst>
+                <a:ext uri="{FF2B5EF4-FFF2-40B4-BE49-F238E27FC236}">
+                  <a16:creationId xmlns:a16="http://schemas.microsoft.com/office/drawing/2014/main" id="{D96F52DB-9227-45BF-8FE2-472DCCC81F0E}"/>
+                </a:ext>
+              </a:extLst>
+            </p:cNvPr>
+            <p:cNvSpPr/>
+            <p:nvPr/>
+          </p:nvSpPr>
+          <p:spPr>
+            <a:xfrm>
+              <a:off x="6747030" y="5497007"/>
+              <a:ext cx="3064276" cy="646331"/>
+            </a:xfrm>
+            <a:prstGeom prst="roundRect">
+              <a:avLst/>
+            </a:prstGeom>
+            <a:solidFill>
+              <a:srgbClr val="FEA0B0"/>
+            </a:solidFill>
+            <a:ln>
+              <a:solidFill>
+                <a:schemeClr val="tx1"/>
+              </a:solidFill>
+            </a:ln>
+          </p:spPr>
+          <p:style>
+            <a:lnRef idx="1">
+              <a:schemeClr val="accent2"/>
+            </a:lnRef>
+            <a:fillRef idx="2">
+              <a:schemeClr val="accent2"/>
+            </a:fillRef>
+            <a:effectRef idx="1">
+              <a:schemeClr val="accent2"/>
+            </a:effectRef>
+            <a:fontRef idx="minor">
+              <a:schemeClr val="dk1"/>
+            </a:fontRef>
+          </p:style>
+          <p:txBody>
+            <a:bodyPr rtlCol="0" anchor="ctr"/>
+            <a:lstStyle/>
+            <a:p>
+              <a:pPr algn="ctr"/>
+              <a:endParaRPr lang="ru-RU"/>
+            </a:p>
+          </p:txBody>
+        </p:sp>
+        <p:sp>
+          <p:nvSpPr>
+            <p:cNvPr id="55" name="TextBox 54">
+              <a:extLst>
+                <a:ext uri="{FF2B5EF4-FFF2-40B4-BE49-F238E27FC236}">
+                  <a16:creationId xmlns:a16="http://schemas.microsoft.com/office/drawing/2014/main" id="{93588BFE-A600-47C0-9D07-C9AFC1B8522F}"/>
+                </a:ext>
+              </a:extLst>
+            </p:cNvPr>
+            <p:cNvSpPr txBox="1"/>
+            <p:nvPr/>
+          </p:nvSpPr>
+          <p:spPr>
+            <a:xfrm>
+              <a:off x="7004484" y="5643840"/>
+              <a:ext cx="2448757" cy="369332"/>
+            </a:xfrm>
+            <a:prstGeom prst="rect">
+              <a:avLst/>
+            </a:prstGeom>
+            <a:noFill/>
+          </p:spPr>
+          <p:txBody>
+            <a:bodyPr wrap="square" rtlCol="0">
+              <a:spAutoFit/>
+            </a:bodyPr>
+            <a:lstStyle/>
+            <a:p>
+              <a:r>
+                <a:rPr lang="en-US" dirty="0" err="1"/>
+                <a:t>Bank_credit_policy.db</a:t>
+              </a:r>
+              <a:endParaRPr lang="ru-RU" dirty="0"/>
+            </a:p>
+          </p:txBody>
+        </p:sp>
+        <p:grpSp>
+          <p:nvGrpSpPr>
+            <p:cNvPr id="56" name="Группа 55">
+              <a:extLst>
+                <a:ext uri="{FF2B5EF4-FFF2-40B4-BE49-F238E27FC236}">
+                  <a16:creationId xmlns:a16="http://schemas.microsoft.com/office/drawing/2014/main" id="{A52F9EE4-B148-4BBA-9F6D-C8C054E9A77B}"/>
+                </a:ext>
+              </a:extLst>
+            </p:cNvPr>
+            <p:cNvGrpSpPr/>
+            <p:nvPr/>
+          </p:nvGrpSpPr>
+          <p:grpSpPr>
+            <a:xfrm>
+              <a:off x="9420689" y="5578063"/>
+              <a:ext cx="218983" cy="250443"/>
+              <a:chOff x="3163409" y="2010791"/>
+              <a:chExt cx="218983" cy="250443"/>
+            </a:xfrm>
+          </p:grpSpPr>
+          <p:sp>
+            <p:nvSpPr>
+              <p:cNvPr id="57" name="Прямоугольник: скругленные углы 56">
+                <a:extLst>
+                  <a:ext uri="{FF2B5EF4-FFF2-40B4-BE49-F238E27FC236}">
+                    <a16:creationId xmlns:a16="http://schemas.microsoft.com/office/drawing/2014/main" id="{C9B94B38-3C27-499A-816D-B039E306E6F9}"/>
+                  </a:ext>
+                </a:extLst>
+              </p:cNvPr>
+              <p:cNvSpPr/>
+              <p:nvPr/>
+            </p:nvSpPr>
+            <p:spPr>
+              <a:xfrm>
+                <a:off x="3195961" y="2010791"/>
+                <a:ext cx="186431" cy="250443"/>
+              </a:xfrm>
+              <a:prstGeom prst="roundRect">
+                <a:avLst/>
+              </a:prstGeom>
+              <a:solidFill>
+                <a:srgbClr val="FFC0CB"/>
+              </a:solidFill>
+              <a:ln>
+                <a:solidFill>
+                  <a:schemeClr val="tx1"/>
+                </a:solidFill>
+              </a:ln>
+            </p:spPr>
+            <p:style>
+              <a:lnRef idx="2">
+                <a:schemeClr val="accent1">
+                  <a:shade val="50000"/>
+                </a:schemeClr>
+              </a:lnRef>
+              <a:fillRef idx="1">
+                <a:schemeClr val="accent1"/>
+              </a:fillRef>
+              <a:effectRef idx="0">
+                <a:schemeClr val="accent1"/>
+              </a:effectRef>
+              <a:fontRef idx="minor">
+                <a:schemeClr val="lt1"/>
+              </a:fontRef>
+            </p:style>
+            <p:txBody>
+              <a:bodyPr rtlCol="0" anchor="ctr"/>
+              <a:lstStyle/>
+              <a:p>
+                <a:pPr algn="ctr"/>
+                <a:endParaRPr lang="ru-RU"/>
+              </a:p>
+            </p:txBody>
+          </p:sp>
+          <p:sp>
+            <p:nvSpPr>
+              <p:cNvPr id="58" name="Прямоугольник: скругленные углы 57">
+                <a:extLst>
+                  <a:ext uri="{FF2B5EF4-FFF2-40B4-BE49-F238E27FC236}">
+                    <a16:creationId xmlns:a16="http://schemas.microsoft.com/office/drawing/2014/main" id="{F2398CB9-F9CA-4DB9-B4F0-C0A2551AE4FC}"/>
+                  </a:ext>
+                </a:extLst>
+              </p:cNvPr>
+              <p:cNvSpPr/>
+              <p:nvPr/>
+            </p:nvSpPr>
+            <p:spPr>
+              <a:xfrm>
+                <a:off x="3163409" y="2047782"/>
+                <a:ext cx="85817" cy="63883"/>
+              </a:xfrm>
+              <a:prstGeom prst="roundRect">
+                <a:avLst/>
+              </a:prstGeom>
+              <a:solidFill>
+                <a:srgbClr val="FFC0CB"/>
+              </a:solidFill>
+              <a:ln>
+                <a:solidFill>
+                  <a:schemeClr val="tx1"/>
+                </a:solidFill>
+              </a:ln>
+            </p:spPr>
+            <p:style>
+              <a:lnRef idx="2">
+                <a:schemeClr val="accent1">
+                  <a:shade val="50000"/>
+                </a:schemeClr>
+              </a:lnRef>
+              <a:fillRef idx="1">
+                <a:schemeClr val="accent1"/>
+              </a:fillRef>
+              <a:effectRef idx="0">
+                <a:schemeClr val="accent1"/>
+              </a:effectRef>
+              <a:fontRef idx="minor">
+                <a:schemeClr val="lt1"/>
+              </a:fontRef>
+            </p:style>
+            <p:txBody>
+              <a:bodyPr rtlCol="0" anchor="ctr"/>
+              <a:lstStyle/>
+              <a:p>
+                <a:pPr algn="ctr"/>
+                <a:endParaRPr lang="ru-RU"/>
+              </a:p>
+            </p:txBody>
+          </p:sp>
+          <p:sp>
+            <p:nvSpPr>
+              <p:cNvPr id="59" name="Прямоугольник: скругленные углы 58">
+                <a:extLst>
+                  <a:ext uri="{FF2B5EF4-FFF2-40B4-BE49-F238E27FC236}">
+                    <a16:creationId xmlns:a16="http://schemas.microsoft.com/office/drawing/2014/main" id="{03C50C1E-7F6D-4B12-8375-31AA36B7F42B}"/>
+                  </a:ext>
+                </a:extLst>
+              </p:cNvPr>
+              <p:cNvSpPr/>
+              <p:nvPr/>
+            </p:nvSpPr>
+            <p:spPr>
+              <a:xfrm>
+                <a:off x="3164888" y="2164670"/>
+                <a:ext cx="85817" cy="63883"/>
+              </a:xfrm>
+              <a:prstGeom prst="roundRect">
+                <a:avLst/>
+              </a:prstGeom>
+              <a:solidFill>
+                <a:srgbClr val="FFC0CB"/>
+              </a:solidFill>
+              <a:ln>
+                <a:solidFill>
+                  <a:schemeClr val="tx1"/>
+                </a:solidFill>
+              </a:ln>
+            </p:spPr>
+            <p:style>
+              <a:lnRef idx="2">
+                <a:schemeClr val="accent1">
+                  <a:shade val="50000"/>
+                </a:schemeClr>
+              </a:lnRef>
+              <a:fillRef idx="1">
+                <a:schemeClr val="accent1"/>
+              </a:fillRef>
+              <a:effectRef idx="0">
+                <a:schemeClr val="accent1"/>
+              </a:effectRef>
+              <a:fontRef idx="minor">
+                <a:schemeClr val="lt1"/>
+              </a:fontRef>
+            </p:style>
+            <p:txBody>
+              <a:bodyPr rtlCol="0" anchor="ctr"/>
+              <a:lstStyle/>
+              <a:p>
+                <a:pPr algn="ctr"/>
+                <a:endParaRPr lang="ru-RU"/>
+              </a:p>
+            </p:txBody>
+          </p:sp>
+        </p:grpSp>
+      </p:grpSp>
+      <p:cxnSp>
+        <p:nvCxnSpPr>
+          <p:cNvPr id="62" name="Прямая соединительная линия 61">
+            <a:extLst>
+              <a:ext uri="{FF2B5EF4-FFF2-40B4-BE49-F238E27FC236}">
+                <a16:creationId xmlns:a16="http://schemas.microsoft.com/office/drawing/2014/main" id="{801867D7-CD7F-4371-BCCF-4D7ED80619BE}"/>
+              </a:ext>
+            </a:extLst>
+          </p:cNvPr>
+          <p:cNvCxnSpPr>
+            <a:cxnSpLocks/>
+            <a:endCxn id="50" idx="2"/>
+          </p:cNvCxnSpPr>
+          <p:nvPr/>
+        </p:nvCxnSpPr>
+        <p:spPr>
+          <a:xfrm>
+            <a:off x="5092085" y="5652962"/>
+            <a:ext cx="1535098" cy="0"/>
+          </a:xfrm>
+          <a:prstGeom prst="line">
+            <a:avLst/>
+          </a:prstGeom>
+        </p:spPr>
+        <p:style>
+          <a:lnRef idx="1">
+            <a:schemeClr val="dk1"/>
+          </a:lnRef>
+          <a:fillRef idx="0">
+            <a:schemeClr val="dk1"/>
+          </a:fillRef>
+          <a:effectRef idx="0">
+            <a:schemeClr val="dk1"/>
+          </a:effectRef>
+          <a:fontRef idx="minor">
+            <a:schemeClr val="tx1"/>
+          </a:fontRef>
+        </p:style>
+      </p:cxnSp>
+      <p:sp>
+        <p:nvSpPr>
+          <p:cNvPr id="66" name="Прямоугольник 65">
+            <a:extLst>
+              <a:ext uri="{FF2B5EF4-FFF2-40B4-BE49-F238E27FC236}">
+                <a16:creationId xmlns:a16="http://schemas.microsoft.com/office/drawing/2014/main" id="{9264D63E-D915-45D2-8976-F26FD2CF25B8}"/>
+              </a:ext>
+            </a:extLst>
+          </p:cNvPr>
+          <p:cNvSpPr/>
+          <p:nvPr/>
+        </p:nvSpPr>
+        <p:spPr>
+          <a:xfrm>
+            <a:off x="5316739" y="5451657"/>
+            <a:ext cx="1212295" cy="147371"/>
+          </a:xfrm>
+          <a:prstGeom prst="rect">
+            <a:avLst/>
+          </a:prstGeom>
+          <a:solidFill>
+            <a:schemeClr val="bg1"/>
+          </a:solidFill>
+          <a:ln>
+            <a:solidFill>
+              <a:schemeClr val="bg1"/>
+            </a:solidFill>
+          </a:ln>
+        </p:spPr>
+        <p:style>
+          <a:lnRef idx="2">
+            <a:schemeClr val="accent1">
+              <a:shade val="50000"/>
+            </a:schemeClr>
+          </a:lnRef>
+          <a:fillRef idx="1">
+            <a:schemeClr val="accent1"/>
+          </a:fillRef>
+          <a:effectRef idx="0">
+            <a:schemeClr val="accent1"/>
+          </a:effectRef>
+          <a:fontRef idx="minor">
+            <a:schemeClr val="lt1"/>
+          </a:fontRef>
+        </p:style>
+        <p:txBody>
+          <a:bodyPr rtlCol="0" anchor="ctr"/>
+          <a:lstStyle/>
+          <a:p>
+            <a:pPr algn="ctr"/>
+            <a:r>
+              <a:rPr lang="en-US" sz="1400" dirty="0">
+                <a:solidFill>
+                  <a:schemeClr val="tx1"/>
+                </a:solidFill>
+              </a:rPr>
+              <a:t>JDBC Driver</a:t>
+            </a:r>
+            <a:endParaRPr lang="ru-RU" sz="1400" dirty="0">
+              <a:solidFill>
+                <a:schemeClr val="tx1"/>
+              </a:solidFill>
+            </a:endParaRPr>
+          </a:p>
+        </p:txBody>
+      </p:sp>
+    </p:spTree>
+    <p:extLst>
+      <p:ext uri="{BB962C8B-B14F-4D97-AF65-F5344CB8AC3E}">
+        <p14:creationId xmlns:p14="http://schemas.microsoft.com/office/powerpoint/2010/main" val="1484598228"/>
       </p:ext>
     </p:extLst>
   </p:cSld>

--- a/Screenshots/Схемы.pptx
+++ b/Screenshots/Схемы.pptx
@@ -9,6 +9,7 @@
     <p:sldId id="257" r:id="rId3"/>
     <p:sldId id="258" r:id="rId4"/>
     <p:sldId id="259" r:id="rId5"/>
+    <p:sldId id="260" r:id="rId6"/>
   </p:sldIdLst>
   <p:sldSz cx="12192000" cy="6858000"/>
   <p:notesSz cx="6858000" cy="9144000"/>
@@ -3438,6 +3439,45 @@
               <a14:shadowObscured xmlns:a14="http://schemas.microsoft.com/office/drawing/2010/main"/>
             </a:ext>
           </a:extLst>
+        </p:spPr>
+      </p:pic>
+      <p:pic>
+        <p:nvPicPr>
+          <p:cNvPr id="7" name="Рисунок 6">
+            <a:extLst>
+              <a:ext uri="{FF2B5EF4-FFF2-40B4-BE49-F238E27FC236}">
+                <a16:creationId xmlns:a16="http://schemas.microsoft.com/office/drawing/2014/main" id="{09762BA7-CAA2-497E-81A3-A6A763D2A479}"/>
+              </a:ext>
+            </a:extLst>
+          </p:cNvPr>
+          <p:cNvPicPr/>
+          <p:nvPr/>
+        </p:nvPicPr>
+        <p:blipFill>
+          <a:blip r:embed="rId5">
+            <a:extLst>
+              <a:ext uri="{28A0092B-C50C-407E-A947-70E740481C1C}">
+                <a14:useLocalDpi xmlns:a14="http://schemas.microsoft.com/office/drawing/2010/main" val="0"/>
+              </a:ext>
+            </a:extLst>
+          </a:blip>
+          <a:srcRect/>
+          <a:stretch>
+            <a:fillRect/>
+          </a:stretch>
+        </p:blipFill>
+        <p:spPr bwMode="auto">
+          <a:xfrm>
+            <a:off x="34597" y="92761"/>
+            <a:ext cx="2273935" cy="4842510"/>
+          </a:xfrm>
+          <a:prstGeom prst="rect">
+            <a:avLst/>
+          </a:prstGeom>
+          <a:noFill/>
+          <a:ln>
+            <a:noFill/>
+          </a:ln>
         </p:spPr>
       </p:pic>
     </p:spTree>
@@ -7055,6 +7095,1837 @@
 </p:sld>
 </file>
 
+<file path=ppt/slides/slide5.xml><?xml version="1.0" encoding="utf-8"?>
+<p:sld xmlns:a="http://schemas.openxmlformats.org/drawingml/2006/main" xmlns:r="http://schemas.openxmlformats.org/officeDocument/2006/relationships" xmlns:p="http://schemas.openxmlformats.org/presentationml/2006/main">
+  <p:cSld>
+    <p:spTree>
+      <p:nvGrpSpPr>
+        <p:cNvPr id="1" name=""/>
+        <p:cNvGrpSpPr/>
+        <p:nvPr/>
+      </p:nvGrpSpPr>
+      <p:grpSpPr>
+        <a:xfrm>
+          <a:off x="0" y="0"/>
+          <a:ext cx="0" cy="0"/>
+          <a:chOff x="0" y="0"/>
+          <a:chExt cx="0" cy="0"/>
+        </a:xfrm>
+      </p:grpSpPr>
+      <p:pic>
+        <p:nvPicPr>
+          <p:cNvPr id="4" name="Рисунок 3">
+            <a:extLst>
+              <a:ext uri="{FF2B5EF4-FFF2-40B4-BE49-F238E27FC236}">
+                <a16:creationId xmlns:a16="http://schemas.microsoft.com/office/drawing/2014/main" id="{D8E1D5FA-59B3-4217-97B0-DCE2B5E34991}"/>
+              </a:ext>
+            </a:extLst>
+          </p:cNvPr>
+          <p:cNvPicPr/>
+          <p:nvPr/>
+        </p:nvPicPr>
+        <p:blipFill>
+          <a:blip r:embed="rId2">
+            <a:extLst>
+              <a:ext uri="{28A0092B-C50C-407E-A947-70E740481C1C}">
+                <a14:useLocalDpi xmlns:a14="http://schemas.microsoft.com/office/drawing/2010/main" val="0"/>
+              </a:ext>
+            </a:extLst>
+          </a:blip>
+          <a:srcRect/>
+          <a:stretch>
+            <a:fillRect/>
+          </a:stretch>
+        </p:blipFill>
+        <p:spPr bwMode="auto">
+          <a:xfrm>
+            <a:off x="6441603" y="1007745"/>
+            <a:ext cx="2273935" cy="4842510"/>
+          </a:xfrm>
+          <a:prstGeom prst="rect">
+            <a:avLst/>
+          </a:prstGeom>
+          <a:noFill/>
+          <a:ln>
+            <a:noFill/>
+          </a:ln>
+        </p:spPr>
+      </p:pic>
+      <p:sp>
+        <p:nvSpPr>
+          <p:cNvPr id="5" name="Прямоугольник 4">
+            <a:extLst>
+              <a:ext uri="{FF2B5EF4-FFF2-40B4-BE49-F238E27FC236}">
+                <a16:creationId xmlns:a16="http://schemas.microsoft.com/office/drawing/2014/main" id="{F3BF9966-F934-49FB-AE2F-C9FCAD6E7841}"/>
+              </a:ext>
+            </a:extLst>
+          </p:cNvPr>
+          <p:cNvSpPr/>
+          <p:nvPr/>
+        </p:nvSpPr>
+        <p:spPr>
+          <a:xfrm>
+            <a:off x="1073459" y="674703"/>
+            <a:ext cx="3382392" cy="5317724"/>
+          </a:xfrm>
+          <a:prstGeom prst="rect">
+            <a:avLst/>
+          </a:prstGeom>
+        </p:spPr>
+        <p:style>
+          <a:lnRef idx="2">
+            <a:schemeClr val="dk1"/>
+          </a:lnRef>
+          <a:fillRef idx="1">
+            <a:schemeClr val="lt1"/>
+          </a:fillRef>
+          <a:effectRef idx="0">
+            <a:schemeClr val="dk1"/>
+          </a:effectRef>
+          <a:fontRef idx="minor">
+            <a:schemeClr val="dk1"/>
+          </a:fontRef>
+        </p:style>
+        <p:txBody>
+          <a:bodyPr rtlCol="0" anchor="ctr"/>
+          <a:lstStyle/>
+          <a:p>
+            <a:pPr algn="ctr"/>
+            <a:endParaRPr lang="ru-RU">
+              <a:solidFill>
+                <a:schemeClr val="tx1"/>
+              </a:solidFill>
+            </a:endParaRPr>
+          </a:p>
+        </p:txBody>
+      </p:sp>
+      <p:grpSp>
+        <p:nvGrpSpPr>
+          <p:cNvPr id="15" name="Группа 14">
+            <a:extLst>
+              <a:ext uri="{FF2B5EF4-FFF2-40B4-BE49-F238E27FC236}">
+                <a16:creationId xmlns:a16="http://schemas.microsoft.com/office/drawing/2014/main" id="{96F169A9-AAE4-4827-864F-D8CCCF421C22}"/>
+              </a:ext>
+            </a:extLst>
+          </p:cNvPr>
+          <p:cNvGrpSpPr/>
+          <p:nvPr/>
+        </p:nvGrpSpPr>
+        <p:grpSpPr>
+          <a:xfrm>
+            <a:off x="1232517" y="1007745"/>
+            <a:ext cx="3064276" cy="860915"/>
+            <a:chOff x="1494409" y="1900040"/>
+            <a:chExt cx="3064276" cy="860915"/>
+          </a:xfrm>
+        </p:grpSpPr>
+        <p:sp>
+          <p:nvSpPr>
+            <p:cNvPr id="9" name="Прямоугольник: скругленные углы 8">
+              <a:extLst>
+                <a:ext uri="{FF2B5EF4-FFF2-40B4-BE49-F238E27FC236}">
+                  <a16:creationId xmlns:a16="http://schemas.microsoft.com/office/drawing/2014/main" id="{BAB5D906-A3FF-4481-9BEB-C177750D642B}"/>
+                </a:ext>
+              </a:extLst>
+            </p:cNvPr>
+            <p:cNvSpPr/>
+            <p:nvPr/>
+          </p:nvSpPr>
+          <p:spPr>
+            <a:xfrm>
+              <a:off x="1494409" y="1900040"/>
+              <a:ext cx="3064276" cy="860915"/>
+            </a:xfrm>
+            <a:prstGeom prst="roundRect">
+              <a:avLst/>
+            </a:prstGeom>
+            <a:solidFill>
+              <a:srgbClr val="FEA0B0"/>
+            </a:solidFill>
+            <a:ln>
+              <a:solidFill>
+                <a:schemeClr val="tx1"/>
+              </a:solidFill>
+            </a:ln>
+          </p:spPr>
+          <p:style>
+            <a:lnRef idx="1">
+              <a:schemeClr val="accent2"/>
+            </a:lnRef>
+            <a:fillRef idx="2">
+              <a:schemeClr val="accent2"/>
+            </a:fillRef>
+            <a:effectRef idx="1">
+              <a:schemeClr val="accent2"/>
+            </a:effectRef>
+            <a:fontRef idx="minor">
+              <a:schemeClr val="dk1"/>
+            </a:fontRef>
+          </p:style>
+          <p:txBody>
+            <a:bodyPr rtlCol="0" anchor="ctr"/>
+            <a:lstStyle/>
+            <a:p>
+              <a:pPr algn="ctr"/>
+              <a:endParaRPr lang="ru-RU"/>
+            </a:p>
+          </p:txBody>
+        </p:sp>
+        <p:sp>
+          <p:nvSpPr>
+            <p:cNvPr id="10" name="TextBox 9">
+              <a:extLst>
+                <a:ext uri="{FF2B5EF4-FFF2-40B4-BE49-F238E27FC236}">
+                  <a16:creationId xmlns:a16="http://schemas.microsoft.com/office/drawing/2014/main" id="{161D9561-EEDB-444D-BD8D-49CBE979538A}"/>
+                </a:ext>
+              </a:extLst>
+            </p:cNvPr>
+            <p:cNvSpPr txBox="1"/>
+            <p:nvPr/>
+          </p:nvSpPr>
+          <p:spPr>
+            <a:xfrm>
+              <a:off x="1820351" y="2019246"/>
+              <a:ext cx="2448757" cy="646331"/>
+            </a:xfrm>
+            <a:prstGeom prst="rect">
+              <a:avLst/>
+            </a:prstGeom>
+            <a:noFill/>
+          </p:spPr>
+          <p:txBody>
+            <a:bodyPr wrap="square" rtlCol="0">
+              <a:spAutoFit/>
+            </a:bodyPr>
+            <a:lstStyle/>
+            <a:p>
+              <a:pPr algn="ctr"/>
+              <a:r>
+                <a:rPr lang="en-US" dirty="0"/>
+                <a:t>MySQL</a:t>
+              </a:r>
+            </a:p>
+            <a:p>
+              <a:pPr algn="ctr"/>
+              <a:r>
+                <a:rPr lang="en-US" dirty="0"/>
+                <a:t>(</a:t>
+              </a:r>
+              <a:r>
+                <a:rPr lang="en-US" dirty="0" err="1"/>
+                <a:t>Bank_credit_policy.db</a:t>
+              </a:r>
+              <a:r>
+                <a:rPr lang="en-US" dirty="0"/>
+                <a:t>)</a:t>
+              </a:r>
+              <a:endParaRPr lang="ru-RU" dirty="0"/>
+            </a:p>
+          </p:txBody>
+        </p:sp>
+        <p:grpSp>
+          <p:nvGrpSpPr>
+            <p:cNvPr id="11" name="Группа 10">
+              <a:extLst>
+                <a:ext uri="{FF2B5EF4-FFF2-40B4-BE49-F238E27FC236}">
+                  <a16:creationId xmlns:a16="http://schemas.microsoft.com/office/drawing/2014/main" id="{EE357CA9-3768-46D2-A847-FE4FAE0F81CB}"/>
+                </a:ext>
+              </a:extLst>
+            </p:cNvPr>
+            <p:cNvGrpSpPr/>
+            <p:nvPr/>
+          </p:nvGrpSpPr>
+          <p:grpSpPr>
+            <a:xfrm>
+              <a:off x="4236868" y="2019246"/>
+              <a:ext cx="218983" cy="250443"/>
+              <a:chOff x="3163409" y="2010791"/>
+              <a:chExt cx="218983" cy="250443"/>
+            </a:xfrm>
+          </p:grpSpPr>
+          <p:sp>
+            <p:nvSpPr>
+              <p:cNvPr id="12" name="Прямоугольник: скругленные углы 11">
+                <a:extLst>
+                  <a:ext uri="{FF2B5EF4-FFF2-40B4-BE49-F238E27FC236}">
+                    <a16:creationId xmlns:a16="http://schemas.microsoft.com/office/drawing/2014/main" id="{8266936F-5326-480A-92FE-967C3C11C3B6}"/>
+                  </a:ext>
+                </a:extLst>
+              </p:cNvPr>
+              <p:cNvSpPr/>
+              <p:nvPr/>
+            </p:nvSpPr>
+            <p:spPr>
+              <a:xfrm>
+                <a:off x="3195961" y="2010791"/>
+                <a:ext cx="186431" cy="250443"/>
+              </a:xfrm>
+              <a:prstGeom prst="roundRect">
+                <a:avLst/>
+              </a:prstGeom>
+              <a:solidFill>
+                <a:srgbClr val="FFC0CB"/>
+              </a:solidFill>
+              <a:ln>
+                <a:solidFill>
+                  <a:schemeClr val="tx1"/>
+                </a:solidFill>
+              </a:ln>
+            </p:spPr>
+            <p:style>
+              <a:lnRef idx="2">
+                <a:schemeClr val="accent1">
+                  <a:shade val="50000"/>
+                </a:schemeClr>
+              </a:lnRef>
+              <a:fillRef idx="1">
+                <a:schemeClr val="accent1"/>
+              </a:fillRef>
+              <a:effectRef idx="0">
+                <a:schemeClr val="accent1"/>
+              </a:effectRef>
+              <a:fontRef idx="minor">
+                <a:schemeClr val="lt1"/>
+              </a:fontRef>
+            </p:style>
+            <p:txBody>
+              <a:bodyPr rtlCol="0" anchor="ctr"/>
+              <a:lstStyle/>
+              <a:p>
+                <a:pPr algn="ctr"/>
+                <a:endParaRPr lang="ru-RU"/>
+              </a:p>
+            </p:txBody>
+          </p:sp>
+          <p:sp>
+            <p:nvSpPr>
+              <p:cNvPr id="13" name="Прямоугольник: скругленные углы 12">
+                <a:extLst>
+                  <a:ext uri="{FF2B5EF4-FFF2-40B4-BE49-F238E27FC236}">
+                    <a16:creationId xmlns:a16="http://schemas.microsoft.com/office/drawing/2014/main" id="{894064C4-0AB2-41BE-9E40-2E13CC0FE508}"/>
+                  </a:ext>
+                </a:extLst>
+              </p:cNvPr>
+              <p:cNvSpPr/>
+              <p:nvPr/>
+            </p:nvSpPr>
+            <p:spPr>
+              <a:xfrm>
+                <a:off x="3163409" y="2047782"/>
+                <a:ext cx="85817" cy="63883"/>
+              </a:xfrm>
+              <a:prstGeom prst="roundRect">
+                <a:avLst/>
+              </a:prstGeom>
+              <a:solidFill>
+                <a:srgbClr val="FFC0CB"/>
+              </a:solidFill>
+              <a:ln>
+                <a:solidFill>
+                  <a:schemeClr val="tx1"/>
+                </a:solidFill>
+              </a:ln>
+            </p:spPr>
+            <p:style>
+              <a:lnRef idx="2">
+                <a:schemeClr val="accent1">
+                  <a:shade val="50000"/>
+                </a:schemeClr>
+              </a:lnRef>
+              <a:fillRef idx="1">
+                <a:schemeClr val="accent1"/>
+              </a:fillRef>
+              <a:effectRef idx="0">
+                <a:schemeClr val="accent1"/>
+              </a:effectRef>
+              <a:fontRef idx="minor">
+                <a:schemeClr val="lt1"/>
+              </a:fontRef>
+            </p:style>
+            <p:txBody>
+              <a:bodyPr rtlCol="0" anchor="ctr"/>
+              <a:lstStyle/>
+              <a:p>
+                <a:pPr algn="ctr"/>
+                <a:endParaRPr lang="ru-RU"/>
+              </a:p>
+            </p:txBody>
+          </p:sp>
+          <p:sp>
+            <p:nvSpPr>
+              <p:cNvPr id="14" name="Прямоугольник: скругленные углы 13">
+                <a:extLst>
+                  <a:ext uri="{FF2B5EF4-FFF2-40B4-BE49-F238E27FC236}">
+                    <a16:creationId xmlns:a16="http://schemas.microsoft.com/office/drawing/2014/main" id="{FCC75A5E-2A4C-4E56-A49D-3EED44D5E013}"/>
+                  </a:ext>
+                </a:extLst>
+              </p:cNvPr>
+              <p:cNvSpPr/>
+              <p:nvPr/>
+            </p:nvSpPr>
+            <p:spPr>
+              <a:xfrm>
+                <a:off x="3164888" y="2164670"/>
+                <a:ext cx="85817" cy="63883"/>
+              </a:xfrm>
+              <a:prstGeom prst="roundRect">
+                <a:avLst/>
+              </a:prstGeom>
+              <a:solidFill>
+                <a:srgbClr val="FFC0CB"/>
+              </a:solidFill>
+              <a:ln>
+                <a:solidFill>
+                  <a:schemeClr val="tx1"/>
+                </a:solidFill>
+              </a:ln>
+            </p:spPr>
+            <p:style>
+              <a:lnRef idx="2">
+                <a:schemeClr val="accent1">
+                  <a:shade val="50000"/>
+                </a:schemeClr>
+              </a:lnRef>
+              <a:fillRef idx="1">
+                <a:schemeClr val="accent1"/>
+              </a:fillRef>
+              <a:effectRef idx="0">
+                <a:schemeClr val="accent1"/>
+              </a:effectRef>
+              <a:fontRef idx="minor">
+                <a:schemeClr val="lt1"/>
+              </a:fontRef>
+            </p:style>
+            <p:txBody>
+              <a:bodyPr rtlCol="0" anchor="ctr"/>
+              <a:lstStyle/>
+              <a:p>
+                <a:pPr algn="ctr"/>
+                <a:endParaRPr lang="ru-RU"/>
+              </a:p>
+            </p:txBody>
+          </p:sp>
+        </p:grpSp>
+      </p:grpSp>
+      <p:grpSp>
+        <p:nvGrpSpPr>
+          <p:cNvPr id="17" name="Группа 16">
+            <a:extLst>
+              <a:ext uri="{FF2B5EF4-FFF2-40B4-BE49-F238E27FC236}">
+                <a16:creationId xmlns:a16="http://schemas.microsoft.com/office/drawing/2014/main" id="{D303A25E-2A65-4FD8-9F2A-DFDF6A9B35D0}"/>
+              </a:ext>
+            </a:extLst>
+          </p:cNvPr>
+          <p:cNvGrpSpPr/>
+          <p:nvPr/>
+        </p:nvGrpSpPr>
+        <p:grpSpPr>
+          <a:xfrm>
+            <a:off x="1232517" y="2920444"/>
+            <a:ext cx="3064276" cy="860915"/>
+            <a:chOff x="1494409" y="1900040"/>
+            <a:chExt cx="3064276" cy="860915"/>
+          </a:xfrm>
+        </p:grpSpPr>
+        <p:sp>
+          <p:nvSpPr>
+            <p:cNvPr id="18" name="Прямоугольник: скругленные углы 17">
+              <a:extLst>
+                <a:ext uri="{FF2B5EF4-FFF2-40B4-BE49-F238E27FC236}">
+                  <a16:creationId xmlns:a16="http://schemas.microsoft.com/office/drawing/2014/main" id="{935859B3-5BB7-4B10-820B-894C05B59BD4}"/>
+                </a:ext>
+              </a:extLst>
+            </p:cNvPr>
+            <p:cNvSpPr/>
+            <p:nvPr/>
+          </p:nvSpPr>
+          <p:spPr>
+            <a:xfrm>
+              <a:off x="1494409" y="1900040"/>
+              <a:ext cx="3064276" cy="860915"/>
+            </a:xfrm>
+            <a:prstGeom prst="roundRect">
+              <a:avLst/>
+            </a:prstGeom>
+            <a:solidFill>
+              <a:srgbClr val="FEA0B0"/>
+            </a:solidFill>
+            <a:ln>
+              <a:solidFill>
+                <a:schemeClr val="tx1"/>
+              </a:solidFill>
+            </a:ln>
+          </p:spPr>
+          <p:style>
+            <a:lnRef idx="1">
+              <a:schemeClr val="accent2"/>
+            </a:lnRef>
+            <a:fillRef idx="2">
+              <a:schemeClr val="accent2"/>
+            </a:fillRef>
+            <a:effectRef idx="1">
+              <a:schemeClr val="accent2"/>
+            </a:effectRef>
+            <a:fontRef idx="minor">
+              <a:schemeClr val="dk1"/>
+            </a:fontRef>
+          </p:style>
+          <p:txBody>
+            <a:bodyPr rtlCol="0" anchor="ctr"/>
+            <a:lstStyle/>
+            <a:p>
+              <a:pPr algn="ctr"/>
+              <a:endParaRPr lang="ru-RU"/>
+            </a:p>
+          </p:txBody>
+        </p:sp>
+        <p:sp>
+          <p:nvSpPr>
+            <p:cNvPr id="19" name="TextBox 18">
+              <a:extLst>
+                <a:ext uri="{FF2B5EF4-FFF2-40B4-BE49-F238E27FC236}">
+                  <a16:creationId xmlns:a16="http://schemas.microsoft.com/office/drawing/2014/main" id="{1B0404E2-2EEB-40B1-B699-2F1C6F78F2C9}"/>
+                </a:ext>
+              </a:extLst>
+            </p:cNvPr>
+            <p:cNvSpPr txBox="1"/>
+            <p:nvPr/>
+          </p:nvSpPr>
+          <p:spPr>
+            <a:xfrm>
+              <a:off x="1820351" y="2019246"/>
+              <a:ext cx="2448757" cy="646331"/>
+            </a:xfrm>
+            <a:prstGeom prst="rect">
+              <a:avLst/>
+            </a:prstGeom>
+            <a:noFill/>
+          </p:spPr>
+          <p:txBody>
+            <a:bodyPr wrap="square" rtlCol="0">
+              <a:spAutoFit/>
+            </a:bodyPr>
+            <a:lstStyle/>
+            <a:p>
+              <a:pPr algn="ctr"/>
+              <a:r>
+                <a:rPr lang="ru-RU" dirty="0"/>
+                <a:t>Сервер</a:t>
+              </a:r>
+              <a:endParaRPr lang="en-US" dirty="0"/>
+            </a:p>
+            <a:p>
+              <a:pPr algn="ctr"/>
+              <a:r>
+                <a:rPr lang="en-US" dirty="0"/>
+                <a:t>(Server)</a:t>
+              </a:r>
+              <a:endParaRPr lang="ru-RU" dirty="0"/>
+            </a:p>
+          </p:txBody>
+        </p:sp>
+        <p:grpSp>
+          <p:nvGrpSpPr>
+            <p:cNvPr id="20" name="Группа 19">
+              <a:extLst>
+                <a:ext uri="{FF2B5EF4-FFF2-40B4-BE49-F238E27FC236}">
+                  <a16:creationId xmlns:a16="http://schemas.microsoft.com/office/drawing/2014/main" id="{C4CA9BBF-CFF0-493A-BCD5-2BF5395205C7}"/>
+                </a:ext>
+              </a:extLst>
+            </p:cNvPr>
+            <p:cNvGrpSpPr/>
+            <p:nvPr/>
+          </p:nvGrpSpPr>
+          <p:grpSpPr>
+            <a:xfrm>
+              <a:off x="4236868" y="2019246"/>
+              <a:ext cx="218983" cy="250443"/>
+              <a:chOff x="3163409" y="2010791"/>
+              <a:chExt cx="218983" cy="250443"/>
+            </a:xfrm>
+          </p:grpSpPr>
+          <p:sp>
+            <p:nvSpPr>
+              <p:cNvPr id="21" name="Прямоугольник: скругленные углы 20">
+                <a:extLst>
+                  <a:ext uri="{FF2B5EF4-FFF2-40B4-BE49-F238E27FC236}">
+                    <a16:creationId xmlns:a16="http://schemas.microsoft.com/office/drawing/2014/main" id="{458190C3-3AE9-4F1C-8402-46371674499A}"/>
+                  </a:ext>
+                </a:extLst>
+              </p:cNvPr>
+              <p:cNvSpPr/>
+              <p:nvPr/>
+            </p:nvSpPr>
+            <p:spPr>
+              <a:xfrm>
+                <a:off x="3195961" y="2010791"/>
+                <a:ext cx="186431" cy="250443"/>
+              </a:xfrm>
+              <a:prstGeom prst="roundRect">
+                <a:avLst/>
+              </a:prstGeom>
+              <a:solidFill>
+                <a:srgbClr val="FFC0CB"/>
+              </a:solidFill>
+              <a:ln>
+                <a:solidFill>
+                  <a:schemeClr val="tx1"/>
+                </a:solidFill>
+              </a:ln>
+            </p:spPr>
+            <p:style>
+              <a:lnRef idx="2">
+                <a:schemeClr val="accent1">
+                  <a:shade val="50000"/>
+                </a:schemeClr>
+              </a:lnRef>
+              <a:fillRef idx="1">
+                <a:schemeClr val="accent1"/>
+              </a:fillRef>
+              <a:effectRef idx="0">
+                <a:schemeClr val="accent1"/>
+              </a:effectRef>
+              <a:fontRef idx="minor">
+                <a:schemeClr val="lt1"/>
+              </a:fontRef>
+            </p:style>
+            <p:txBody>
+              <a:bodyPr rtlCol="0" anchor="ctr"/>
+              <a:lstStyle/>
+              <a:p>
+                <a:pPr algn="ctr"/>
+                <a:endParaRPr lang="ru-RU"/>
+              </a:p>
+            </p:txBody>
+          </p:sp>
+          <p:sp>
+            <p:nvSpPr>
+              <p:cNvPr id="22" name="Прямоугольник: скругленные углы 21">
+                <a:extLst>
+                  <a:ext uri="{FF2B5EF4-FFF2-40B4-BE49-F238E27FC236}">
+                    <a16:creationId xmlns:a16="http://schemas.microsoft.com/office/drawing/2014/main" id="{DDD963DE-CD00-4A96-A35F-95AC3AA15DF4}"/>
+                  </a:ext>
+                </a:extLst>
+              </p:cNvPr>
+              <p:cNvSpPr/>
+              <p:nvPr/>
+            </p:nvSpPr>
+            <p:spPr>
+              <a:xfrm>
+                <a:off x="3163409" y="2047782"/>
+                <a:ext cx="85817" cy="63883"/>
+              </a:xfrm>
+              <a:prstGeom prst="roundRect">
+                <a:avLst/>
+              </a:prstGeom>
+              <a:solidFill>
+                <a:srgbClr val="FFC0CB"/>
+              </a:solidFill>
+              <a:ln>
+                <a:solidFill>
+                  <a:schemeClr val="tx1"/>
+                </a:solidFill>
+              </a:ln>
+            </p:spPr>
+            <p:style>
+              <a:lnRef idx="2">
+                <a:schemeClr val="accent1">
+                  <a:shade val="50000"/>
+                </a:schemeClr>
+              </a:lnRef>
+              <a:fillRef idx="1">
+                <a:schemeClr val="accent1"/>
+              </a:fillRef>
+              <a:effectRef idx="0">
+                <a:schemeClr val="accent1"/>
+              </a:effectRef>
+              <a:fontRef idx="minor">
+                <a:schemeClr val="lt1"/>
+              </a:fontRef>
+            </p:style>
+            <p:txBody>
+              <a:bodyPr rtlCol="0" anchor="ctr"/>
+              <a:lstStyle/>
+              <a:p>
+                <a:pPr algn="ctr"/>
+                <a:endParaRPr lang="ru-RU"/>
+              </a:p>
+            </p:txBody>
+          </p:sp>
+          <p:sp>
+            <p:nvSpPr>
+              <p:cNvPr id="23" name="Прямоугольник: скругленные углы 22">
+                <a:extLst>
+                  <a:ext uri="{FF2B5EF4-FFF2-40B4-BE49-F238E27FC236}">
+                    <a16:creationId xmlns:a16="http://schemas.microsoft.com/office/drawing/2014/main" id="{5E311BAE-AA3A-4E51-BFDA-89E6C42A4AC5}"/>
+                  </a:ext>
+                </a:extLst>
+              </p:cNvPr>
+              <p:cNvSpPr/>
+              <p:nvPr/>
+            </p:nvSpPr>
+            <p:spPr>
+              <a:xfrm>
+                <a:off x="3164888" y="2164670"/>
+                <a:ext cx="85817" cy="63883"/>
+              </a:xfrm>
+              <a:prstGeom prst="roundRect">
+                <a:avLst/>
+              </a:prstGeom>
+              <a:solidFill>
+                <a:srgbClr val="FFC0CB"/>
+              </a:solidFill>
+              <a:ln>
+                <a:solidFill>
+                  <a:schemeClr val="tx1"/>
+                </a:solidFill>
+              </a:ln>
+            </p:spPr>
+            <p:style>
+              <a:lnRef idx="2">
+                <a:schemeClr val="accent1">
+                  <a:shade val="50000"/>
+                </a:schemeClr>
+              </a:lnRef>
+              <a:fillRef idx="1">
+                <a:schemeClr val="accent1"/>
+              </a:fillRef>
+              <a:effectRef idx="0">
+                <a:schemeClr val="accent1"/>
+              </a:effectRef>
+              <a:fontRef idx="minor">
+                <a:schemeClr val="lt1"/>
+              </a:fontRef>
+            </p:style>
+            <p:txBody>
+              <a:bodyPr rtlCol="0" anchor="ctr"/>
+              <a:lstStyle/>
+              <a:p>
+                <a:pPr algn="ctr"/>
+                <a:endParaRPr lang="ru-RU"/>
+              </a:p>
+            </p:txBody>
+          </p:sp>
+        </p:grpSp>
+      </p:grpSp>
+      <p:grpSp>
+        <p:nvGrpSpPr>
+          <p:cNvPr id="24" name="Группа 23">
+            <a:extLst>
+              <a:ext uri="{FF2B5EF4-FFF2-40B4-BE49-F238E27FC236}">
+                <a16:creationId xmlns:a16="http://schemas.microsoft.com/office/drawing/2014/main" id="{0D7704D4-D7A1-4D13-B12C-2001A89F1081}"/>
+              </a:ext>
+            </a:extLst>
+          </p:cNvPr>
+          <p:cNvGrpSpPr/>
+          <p:nvPr/>
+        </p:nvGrpSpPr>
+        <p:grpSpPr>
+          <a:xfrm>
+            <a:off x="1232517" y="4833143"/>
+            <a:ext cx="3064276" cy="860915"/>
+            <a:chOff x="1494409" y="1900040"/>
+            <a:chExt cx="3064276" cy="860915"/>
+          </a:xfrm>
+        </p:grpSpPr>
+        <p:sp>
+          <p:nvSpPr>
+            <p:cNvPr id="25" name="Прямоугольник: скругленные углы 24">
+              <a:extLst>
+                <a:ext uri="{FF2B5EF4-FFF2-40B4-BE49-F238E27FC236}">
+                  <a16:creationId xmlns:a16="http://schemas.microsoft.com/office/drawing/2014/main" id="{75FDBBCF-3D14-4D6F-B12A-5BC6C6A5B760}"/>
+                </a:ext>
+              </a:extLst>
+            </p:cNvPr>
+            <p:cNvSpPr/>
+            <p:nvPr/>
+          </p:nvSpPr>
+          <p:spPr>
+            <a:xfrm>
+              <a:off x="1494409" y="1900040"/>
+              <a:ext cx="3064276" cy="860915"/>
+            </a:xfrm>
+            <a:prstGeom prst="roundRect">
+              <a:avLst/>
+            </a:prstGeom>
+            <a:solidFill>
+              <a:srgbClr val="FEA0B0"/>
+            </a:solidFill>
+            <a:ln>
+              <a:solidFill>
+                <a:schemeClr val="tx1"/>
+              </a:solidFill>
+            </a:ln>
+          </p:spPr>
+          <p:style>
+            <a:lnRef idx="1">
+              <a:schemeClr val="accent2"/>
+            </a:lnRef>
+            <a:fillRef idx="2">
+              <a:schemeClr val="accent2"/>
+            </a:fillRef>
+            <a:effectRef idx="1">
+              <a:schemeClr val="accent2"/>
+            </a:effectRef>
+            <a:fontRef idx="minor">
+              <a:schemeClr val="dk1"/>
+            </a:fontRef>
+          </p:style>
+          <p:txBody>
+            <a:bodyPr rtlCol="0" anchor="ctr"/>
+            <a:lstStyle/>
+            <a:p>
+              <a:pPr algn="ctr"/>
+              <a:endParaRPr lang="ru-RU"/>
+            </a:p>
+          </p:txBody>
+        </p:sp>
+        <p:sp>
+          <p:nvSpPr>
+            <p:cNvPr id="26" name="TextBox 25">
+              <a:extLst>
+                <a:ext uri="{FF2B5EF4-FFF2-40B4-BE49-F238E27FC236}">
+                  <a16:creationId xmlns:a16="http://schemas.microsoft.com/office/drawing/2014/main" id="{F5EE5D91-0743-42C8-9A03-422E082DC588}"/>
+                </a:ext>
+              </a:extLst>
+            </p:cNvPr>
+            <p:cNvSpPr txBox="1"/>
+            <p:nvPr/>
+          </p:nvSpPr>
+          <p:spPr>
+            <a:xfrm>
+              <a:off x="1820351" y="2019246"/>
+              <a:ext cx="2448757" cy="646331"/>
+            </a:xfrm>
+            <a:prstGeom prst="rect">
+              <a:avLst/>
+            </a:prstGeom>
+            <a:noFill/>
+          </p:spPr>
+          <p:txBody>
+            <a:bodyPr wrap="square" rtlCol="0">
+              <a:spAutoFit/>
+            </a:bodyPr>
+            <a:lstStyle/>
+            <a:p>
+              <a:pPr algn="ctr"/>
+              <a:r>
+                <a:rPr lang="ru-RU" dirty="0"/>
+                <a:t>Клиент</a:t>
+              </a:r>
+              <a:endParaRPr lang="en-US" dirty="0"/>
+            </a:p>
+            <a:p>
+              <a:pPr algn="ctr"/>
+              <a:r>
+                <a:rPr lang="en-US" dirty="0"/>
+                <a:t>(Client)</a:t>
+              </a:r>
+              <a:endParaRPr lang="ru-RU" dirty="0"/>
+            </a:p>
+          </p:txBody>
+        </p:sp>
+        <p:grpSp>
+          <p:nvGrpSpPr>
+            <p:cNvPr id="27" name="Группа 26">
+              <a:extLst>
+                <a:ext uri="{FF2B5EF4-FFF2-40B4-BE49-F238E27FC236}">
+                  <a16:creationId xmlns:a16="http://schemas.microsoft.com/office/drawing/2014/main" id="{B20B4101-1A1B-4423-9991-47FC6D31F4EE}"/>
+                </a:ext>
+              </a:extLst>
+            </p:cNvPr>
+            <p:cNvGrpSpPr/>
+            <p:nvPr/>
+          </p:nvGrpSpPr>
+          <p:grpSpPr>
+            <a:xfrm>
+              <a:off x="4236868" y="2019246"/>
+              <a:ext cx="218983" cy="250443"/>
+              <a:chOff x="3163409" y="2010791"/>
+              <a:chExt cx="218983" cy="250443"/>
+            </a:xfrm>
+          </p:grpSpPr>
+          <p:sp>
+            <p:nvSpPr>
+              <p:cNvPr id="28" name="Прямоугольник: скругленные углы 27">
+                <a:extLst>
+                  <a:ext uri="{FF2B5EF4-FFF2-40B4-BE49-F238E27FC236}">
+                    <a16:creationId xmlns:a16="http://schemas.microsoft.com/office/drawing/2014/main" id="{D24AD5E4-950B-42D4-9E38-73683EFFF003}"/>
+                  </a:ext>
+                </a:extLst>
+              </p:cNvPr>
+              <p:cNvSpPr/>
+              <p:nvPr/>
+            </p:nvSpPr>
+            <p:spPr>
+              <a:xfrm>
+                <a:off x="3195961" y="2010791"/>
+                <a:ext cx="186431" cy="250443"/>
+              </a:xfrm>
+              <a:prstGeom prst="roundRect">
+                <a:avLst/>
+              </a:prstGeom>
+              <a:solidFill>
+                <a:srgbClr val="FFC0CB"/>
+              </a:solidFill>
+              <a:ln>
+                <a:solidFill>
+                  <a:schemeClr val="tx1"/>
+                </a:solidFill>
+              </a:ln>
+            </p:spPr>
+            <p:style>
+              <a:lnRef idx="2">
+                <a:schemeClr val="accent1">
+                  <a:shade val="50000"/>
+                </a:schemeClr>
+              </a:lnRef>
+              <a:fillRef idx="1">
+                <a:schemeClr val="accent1"/>
+              </a:fillRef>
+              <a:effectRef idx="0">
+                <a:schemeClr val="accent1"/>
+              </a:effectRef>
+              <a:fontRef idx="minor">
+                <a:schemeClr val="lt1"/>
+              </a:fontRef>
+            </p:style>
+            <p:txBody>
+              <a:bodyPr rtlCol="0" anchor="ctr"/>
+              <a:lstStyle/>
+              <a:p>
+                <a:pPr algn="ctr"/>
+                <a:endParaRPr lang="ru-RU"/>
+              </a:p>
+            </p:txBody>
+          </p:sp>
+          <p:sp>
+            <p:nvSpPr>
+              <p:cNvPr id="29" name="Прямоугольник: скругленные углы 28">
+                <a:extLst>
+                  <a:ext uri="{FF2B5EF4-FFF2-40B4-BE49-F238E27FC236}">
+                    <a16:creationId xmlns:a16="http://schemas.microsoft.com/office/drawing/2014/main" id="{5846C1BF-FE9B-48F2-B20E-1348CBD04511}"/>
+                  </a:ext>
+                </a:extLst>
+              </p:cNvPr>
+              <p:cNvSpPr/>
+              <p:nvPr/>
+            </p:nvSpPr>
+            <p:spPr>
+              <a:xfrm>
+                <a:off x="3163409" y="2047782"/>
+                <a:ext cx="85817" cy="63883"/>
+              </a:xfrm>
+              <a:prstGeom prst="roundRect">
+                <a:avLst/>
+              </a:prstGeom>
+              <a:solidFill>
+                <a:srgbClr val="FFC0CB"/>
+              </a:solidFill>
+              <a:ln>
+                <a:solidFill>
+                  <a:schemeClr val="tx1"/>
+                </a:solidFill>
+              </a:ln>
+            </p:spPr>
+            <p:style>
+              <a:lnRef idx="2">
+                <a:schemeClr val="accent1">
+                  <a:shade val="50000"/>
+                </a:schemeClr>
+              </a:lnRef>
+              <a:fillRef idx="1">
+                <a:schemeClr val="accent1"/>
+              </a:fillRef>
+              <a:effectRef idx="0">
+                <a:schemeClr val="accent1"/>
+              </a:effectRef>
+              <a:fontRef idx="minor">
+                <a:schemeClr val="lt1"/>
+              </a:fontRef>
+            </p:style>
+            <p:txBody>
+              <a:bodyPr rtlCol="0" anchor="ctr"/>
+              <a:lstStyle/>
+              <a:p>
+                <a:pPr algn="ctr"/>
+                <a:endParaRPr lang="ru-RU"/>
+              </a:p>
+            </p:txBody>
+          </p:sp>
+          <p:sp>
+            <p:nvSpPr>
+              <p:cNvPr id="30" name="Прямоугольник: скругленные углы 29">
+                <a:extLst>
+                  <a:ext uri="{FF2B5EF4-FFF2-40B4-BE49-F238E27FC236}">
+                    <a16:creationId xmlns:a16="http://schemas.microsoft.com/office/drawing/2014/main" id="{45E6559E-0C36-4093-A5A1-99ABC74647A1}"/>
+                  </a:ext>
+                </a:extLst>
+              </p:cNvPr>
+              <p:cNvSpPr/>
+              <p:nvPr/>
+            </p:nvSpPr>
+            <p:spPr>
+              <a:xfrm>
+                <a:off x="3164888" y="2164670"/>
+                <a:ext cx="85817" cy="63883"/>
+              </a:xfrm>
+              <a:prstGeom prst="roundRect">
+                <a:avLst/>
+              </a:prstGeom>
+              <a:solidFill>
+                <a:srgbClr val="FFC0CB"/>
+              </a:solidFill>
+              <a:ln>
+                <a:solidFill>
+                  <a:schemeClr val="tx1"/>
+                </a:solidFill>
+              </a:ln>
+            </p:spPr>
+            <p:style>
+              <a:lnRef idx="2">
+                <a:schemeClr val="accent1">
+                  <a:shade val="50000"/>
+                </a:schemeClr>
+              </a:lnRef>
+              <a:fillRef idx="1">
+                <a:schemeClr val="accent1"/>
+              </a:fillRef>
+              <a:effectRef idx="0">
+                <a:schemeClr val="accent1"/>
+              </a:effectRef>
+              <a:fontRef idx="minor">
+                <a:schemeClr val="lt1"/>
+              </a:fontRef>
+            </p:style>
+            <p:txBody>
+              <a:bodyPr rtlCol="0" anchor="ctr"/>
+              <a:lstStyle/>
+              <a:p>
+                <a:pPr algn="ctr"/>
+                <a:endParaRPr lang="ru-RU"/>
+              </a:p>
+            </p:txBody>
+          </p:sp>
+        </p:grpSp>
+      </p:grpSp>
+      <p:grpSp>
+        <p:nvGrpSpPr>
+          <p:cNvPr id="37" name="Группа 36">
+            <a:extLst>
+              <a:ext uri="{FF2B5EF4-FFF2-40B4-BE49-F238E27FC236}">
+                <a16:creationId xmlns:a16="http://schemas.microsoft.com/office/drawing/2014/main" id="{13BC1082-5980-4BC8-AC33-EDEEC87E9BC3}"/>
+              </a:ext>
+            </a:extLst>
+          </p:cNvPr>
+          <p:cNvGrpSpPr/>
+          <p:nvPr/>
+        </p:nvGrpSpPr>
+        <p:grpSpPr>
+          <a:xfrm>
+            <a:off x="3480049" y="1868660"/>
+            <a:ext cx="266400" cy="1051784"/>
+            <a:chOff x="3480049" y="1868660"/>
+            <a:chExt cx="266400" cy="1051784"/>
+          </a:xfrm>
+        </p:grpSpPr>
+        <p:sp>
+          <p:nvSpPr>
+            <p:cNvPr id="31" name="Овал 30">
+              <a:extLst>
+                <a:ext uri="{FF2B5EF4-FFF2-40B4-BE49-F238E27FC236}">
+                  <a16:creationId xmlns:a16="http://schemas.microsoft.com/office/drawing/2014/main" id="{0A4324B7-418E-4D80-8080-CF949BF41FDF}"/>
+                </a:ext>
+              </a:extLst>
+            </p:cNvPr>
+            <p:cNvSpPr/>
+            <p:nvPr/>
+          </p:nvSpPr>
+          <p:spPr>
+            <a:xfrm>
+              <a:off x="3506680" y="2352583"/>
+              <a:ext cx="204186" cy="204187"/>
+            </a:xfrm>
+            <a:prstGeom prst="ellipse">
+              <a:avLst/>
+            </a:prstGeom>
+            <a:solidFill>
+              <a:schemeClr val="accent2">
+                <a:lumMod val="40000"/>
+                <a:lumOff val="60000"/>
+              </a:schemeClr>
+            </a:solidFill>
+            <a:ln>
+              <a:solidFill>
+                <a:schemeClr val="bg2">
+                  <a:lumMod val="50000"/>
+                </a:schemeClr>
+              </a:solidFill>
+            </a:ln>
+          </p:spPr>
+          <p:style>
+            <a:lnRef idx="2">
+              <a:schemeClr val="accent1">
+                <a:shade val="50000"/>
+              </a:schemeClr>
+            </a:lnRef>
+            <a:fillRef idx="1">
+              <a:schemeClr val="accent1"/>
+            </a:fillRef>
+            <a:effectRef idx="0">
+              <a:schemeClr val="accent1"/>
+            </a:effectRef>
+            <a:fontRef idx="minor">
+              <a:schemeClr val="lt1"/>
+            </a:fontRef>
+          </p:style>
+          <p:txBody>
+            <a:bodyPr rtlCol="0" anchor="ctr"/>
+            <a:lstStyle/>
+            <a:p>
+              <a:pPr algn="ctr"/>
+              <a:endParaRPr lang="ru-RU"/>
+            </a:p>
+          </p:txBody>
+        </p:sp>
+        <p:cxnSp>
+          <p:nvCxnSpPr>
+            <p:cNvPr id="33" name="Прямая соединительная линия 32">
+              <a:extLst>
+                <a:ext uri="{FF2B5EF4-FFF2-40B4-BE49-F238E27FC236}">
+                  <a16:creationId xmlns:a16="http://schemas.microsoft.com/office/drawing/2014/main" id="{10E08D8A-4EFF-42FB-94CF-7B830D78CC16}"/>
+                </a:ext>
+              </a:extLst>
+            </p:cNvPr>
+            <p:cNvCxnSpPr/>
+            <p:nvPr/>
+          </p:nvCxnSpPr>
+          <p:spPr>
+            <a:xfrm>
+              <a:off x="3608773" y="2556770"/>
+              <a:ext cx="0" cy="363674"/>
+            </a:xfrm>
+            <a:prstGeom prst="line">
+              <a:avLst/>
+            </a:prstGeom>
+          </p:spPr>
+          <p:style>
+            <a:lnRef idx="1">
+              <a:schemeClr val="dk1"/>
+            </a:lnRef>
+            <a:fillRef idx="0">
+              <a:schemeClr val="dk1"/>
+            </a:fillRef>
+            <a:effectRef idx="0">
+              <a:schemeClr val="dk1"/>
+            </a:effectRef>
+            <a:fontRef idx="minor">
+              <a:schemeClr val="tx1"/>
+            </a:fontRef>
+          </p:style>
+        </p:cxnSp>
+        <p:sp>
+          <p:nvSpPr>
+            <p:cNvPr id="34" name="Дуга 33">
+              <a:extLst>
+                <a:ext uri="{FF2B5EF4-FFF2-40B4-BE49-F238E27FC236}">
+                  <a16:creationId xmlns:a16="http://schemas.microsoft.com/office/drawing/2014/main" id="{4D677585-9C11-408D-9281-042FF7E1DEDF}"/>
+                </a:ext>
+              </a:extLst>
+            </p:cNvPr>
+            <p:cNvSpPr/>
+            <p:nvPr/>
+          </p:nvSpPr>
+          <p:spPr>
+            <a:xfrm>
+              <a:off x="3480049" y="2317072"/>
+              <a:ext cx="266400" cy="234000"/>
+            </a:xfrm>
+            <a:prstGeom prst="arc">
+              <a:avLst>
+                <a:gd name="adj1" fmla="val 10975808"/>
+                <a:gd name="adj2" fmla="val 11"/>
+              </a:avLst>
+            </a:prstGeom>
+          </p:spPr>
+          <p:style>
+            <a:lnRef idx="1">
+              <a:schemeClr val="dk1"/>
+            </a:lnRef>
+            <a:fillRef idx="0">
+              <a:schemeClr val="dk1"/>
+            </a:fillRef>
+            <a:effectRef idx="0">
+              <a:schemeClr val="dk1"/>
+            </a:effectRef>
+            <a:fontRef idx="minor">
+              <a:schemeClr val="tx1"/>
+            </a:fontRef>
+          </p:style>
+          <p:txBody>
+            <a:bodyPr rtlCol="0" anchor="ctr"/>
+            <a:lstStyle/>
+            <a:p>
+              <a:pPr algn="ctr"/>
+              <a:endParaRPr lang="ru-RU"/>
+            </a:p>
+          </p:txBody>
+        </p:sp>
+        <p:cxnSp>
+          <p:nvCxnSpPr>
+            <p:cNvPr id="35" name="Прямая соединительная линия 34">
+              <a:extLst>
+                <a:ext uri="{FF2B5EF4-FFF2-40B4-BE49-F238E27FC236}">
+                  <a16:creationId xmlns:a16="http://schemas.microsoft.com/office/drawing/2014/main" id="{5C8DE309-CF5C-4A02-972E-C211CC9F120C}"/>
+                </a:ext>
+              </a:extLst>
+            </p:cNvPr>
+            <p:cNvCxnSpPr>
+              <a:cxnSpLocks/>
+            </p:cNvCxnSpPr>
+            <p:nvPr/>
+          </p:nvCxnSpPr>
+          <p:spPr>
+            <a:xfrm>
+              <a:off x="3608773" y="1868660"/>
+              <a:ext cx="0" cy="448412"/>
+            </a:xfrm>
+            <a:prstGeom prst="line">
+              <a:avLst/>
+            </a:prstGeom>
+          </p:spPr>
+          <p:style>
+            <a:lnRef idx="1">
+              <a:schemeClr val="dk1"/>
+            </a:lnRef>
+            <a:fillRef idx="0">
+              <a:schemeClr val="dk1"/>
+            </a:fillRef>
+            <a:effectRef idx="0">
+              <a:schemeClr val="dk1"/>
+            </a:effectRef>
+            <a:fontRef idx="minor">
+              <a:schemeClr val="tx1"/>
+            </a:fontRef>
+          </p:style>
+        </p:cxnSp>
+      </p:grpSp>
+      <p:grpSp>
+        <p:nvGrpSpPr>
+          <p:cNvPr id="38" name="Группа 37">
+            <a:extLst>
+              <a:ext uri="{FF2B5EF4-FFF2-40B4-BE49-F238E27FC236}">
+                <a16:creationId xmlns:a16="http://schemas.microsoft.com/office/drawing/2014/main" id="{E473CC8C-1024-4ABA-8D7E-B9DD9D8916DA}"/>
+              </a:ext>
+            </a:extLst>
+          </p:cNvPr>
+          <p:cNvGrpSpPr/>
+          <p:nvPr/>
+        </p:nvGrpSpPr>
+        <p:grpSpPr>
+          <a:xfrm>
+            <a:off x="3475573" y="3781359"/>
+            <a:ext cx="266400" cy="1051784"/>
+            <a:chOff x="3480049" y="1868660"/>
+            <a:chExt cx="266400" cy="1051784"/>
+          </a:xfrm>
+        </p:grpSpPr>
+        <p:sp>
+          <p:nvSpPr>
+            <p:cNvPr id="39" name="Овал 38">
+              <a:extLst>
+                <a:ext uri="{FF2B5EF4-FFF2-40B4-BE49-F238E27FC236}">
+                  <a16:creationId xmlns:a16="http://schemas.microsoft.com/office/drawing/2014/main" id="{C3C3CE76-D70D-402B-9D11-943C1BD97D45}"/>
+                </a:ext>
+              </a:extLst>
+            </p:cNvPr>
+            <p:cNvSpPr/>
+            <p:nvPr/>
+          </p:nvSpPr>
+          <p:spPr>
+            <a:xfrm>
+              <a:off x="3506680" y="2352583"/>
+              <a:ext cx="204186" cy="204187"/>
+            </a:xfrm>
+            <a:prstGeom prst="ellipse">
+              <a:avLst/>
+            </a:prstGeom>
+            <a:solidFill>
+              <a:schemeClr val="accent2">
+                <a:lumMod val="40000"/>
+                <a:lumOff val="60000"/>
+              </a:schemeClr>
+            </a:solidFill>
+            <a:ln>
+              <a:solidFill>
+                <a:schemeClr val="bg2">
+                  <a:lumMod val="50000"/>
+                </a:schemeClr>
+              </a:solidFill>
+            </a:ln>
+          </p:spPr>
+          <p:style>
+            <a:lnRef idx="2">
+              <a:schemeClr val="accent1">
+                <a:shade val="50000"/>
+              </a:schemeClr>
+            </a:lnRef>
+            <a:fillRef idx="1">
+              <a:schemeClr val="accent1"/>
+            </a:fillRef>
+            <a:effectRef idx="0">
+              <a:schemeClr val="accent1"/>
+            </a:effectRef>
+            <a:fontRef idx="minor">
+              <a:schemeClr val="lt1"/>
+            </a:fontRef>
+          </p:style>
+          <p:txBody>
+            <a:bodyPr rtlCol="0" anchor="ctr"/>
+            <a:lstStyle/>
+            <a:p>
+              <a:pPr algn="ctr"/>
+              <a:endParaRPr lang="ru-RU"/>
+            </a:p>
+          </p:txBody>
+        </p:sp>
+        <p:cxnSp>
+          <p:nvCxnSpPr>
+            <p:cNvPr id="40" name="Прямая соединительная линия 39">
+              <a:extLst>
+                <a:ext uri="{FF2B5EF4-FFF2-40B4-BE49-F238E27FC236}">
+                  <a16:creationId xmlns:a16="http://schemas.microsoft.com/office/drawing/2014/main" id="{2E29CB65-74B2-48AF-A29F-5FD7947BB571}"/>
+                </a:ext>
+              </a:extLst>
+            </p:cNvPr>
+            <p:cNvCxnSpPr/>
+            <p:nvPr/>
+          </p:nvCxnSpPr>
+          <p:spPr>
+            <a:xfrm>
+              <a:off x="3608773" y="2556770"/>
+              <a:ext cx="0" cy="363674"/>
+            </a:xfrm>
+            <a:prstGeom prst="line">
+              <a:avLst/>
+            </a:prstGeom>
+          </p:spPr>
+          <p:style>
+            <a:lnRef idx="1">
+              <a:schemeClr val="dk1"/>
+            </a:lnRef>
+            <a:fillRef idx="0">
+              <a:schemeClr val="dk1"/>
+            </a:fillRef>
+            <a:effectRef idx="0">
+              <a:schemeClr val="dk1"/>
+            </a:effectRef>
+            <a:fontRef idx="minor">
+              <a:schemeClr val="tx1"/>
+            </a:fontRef>
+          </p:style>
+        </p:cxnSp>
+        <p:sp>
+          <p:nvSpPr>
+            <p:cNvPr id="41" name="Дуга 40">
+              <a:extLst>
+                <a:ext uri="{FF2B5EF4-FFF2-40B4-BE49-F238E27FC236}">
+                  <a16:creationId xmlns:a16="http://schemas.microsoft.com/office/drawing/2014/main" id="{B0A7CB73-78CE-4C65-98CA-EA9B9ACC847F}"/>
+                </a:ext>
+              </a:extLst>
+            </p:cNvPr>
+            <p:cNvSpPr/>
+            <p:nvPr/>
+          </p:nvSpPr>
+          <p:spPr>
+            <a:xfrm>
+              <a:off x="3480049" y="2317072"/>
+              <a:ext cx="266400" cy="234000"/>
+            </a:xfrm>
+            <a:prstGeom prst="arc">
+              <a:avLst>
+                <a:gd name="adj1" fmla="val 10975808"/>
+                <a:gd name="adj2" fmla="val 11"/>
+              </a:avLst>
+            </a:prstGeom>
+          </p:spPr>
+          <p:style>
+            <a:lnRef idx="1">
+              <a:schemeClr val="dk1"/>
+            </a:lnRef>
+            <a:fillRef idx="0">
+              <a:schemeClr val="dk1"/>
+            </a:fillRef>
+            <a:effectRef idx="0">
+              <a:schemeClr val="dk1"/>
+            </a:effectRef>
+            <a:fontRef idx="minor">
+              <a:schemeClr val="tx1"/>
+            </a:fontRef>
+          </p:style>
+          <p:txBody>
+            <a:bodyPr rtlCol="0" anchor="ctr"/>
+            <a:lstStyle/>
+            <a:p>
+              <a:pPr algn="ctr"/>
+              <a:endParaRPr lang="ru-RU"/>
+            </a:p>
+          </p:txBody>
+        </p:sp>
+        <p:cxnSp>
+          <p:nvCxnSpPr>
+            <p:cNvPr id="42" name="Прямая соединительная линия 41">
+              <a:extLst>
+                <a:ext uri="{FF2B5EF4-FFF2-40B4-BE49-F238E27FC236}">
+                  <a16:creationId xmlns:a16="http://schemas.microsoft.com/office/drawing/2014/main" id="{DF4FA76F-B487-4F72-BEAB-6975AD5E6356}"/>
+                </a:ext>
+              </a:extLst>
+            </p:cNvPr>
+            <p:cNvCxnSpPr>
+              <a:cxnSpLocks/>
+            </p:cNvCxnSpPr>
+            <p:nvPr/>
+          </p:nvCxnSpPr>
+          <p:spPr>
+            <a:xfrm>
+              <a:off x="3608773" y="1868660"/>
+              <a:ext cx="0" cy="448412"/>
+            </a:xfrm>
+            <a:prstGeom prst="line">
+              <a:avLst/>
+            </a:prstGeom>
+          </p:spPr>
+          <p:style>
+            <a:lnRef idx="1">
+              <a:schemeClr val="dk1"/>
+            </a:lnRef>
+            <a:fillRef idx="0">
+              <a:schemeClr val="dk1"/>
+            </a:fillRef>
+            <a:effectRef idx="0">
+              <a:schemeClr val="dk1"/>
+            </a:effectRef>
+            <a:fontRef idx="minor">
+              <a:schemeClr val="tx1"/>
+            </a:fontRef>
+          </p:style>
+        </p:cxnSp>
+      </p:grpSp>
+      <p:grpSp>
+        <p:nvGrpSpPr>
+          <p:cNvPr id="43" name="Группа 42">
+            <a:extLst>
+              <a:ext uri="{FF2B5EF4-FFF2-40B4-BE49-F238E27FC236}">
+                <a16:creationId xmlns:a16="http://schemas.microsoft.com/office/drawing/2014/main" id="{531A28D2-ADCB-4E5B-8890-AFD39B9EB143}"/>
+              </a:ext>
+            </a:extLst>
+          </p:cNvPr>
+          <p:cNvGrpSpPr/>
+          <p:nvPr/>
+        </p:nvGrpSpPr>
+        <p:grpSpPr>
+          <a:xfrm rot="10800000">
+            <a:off x="1714873" y="1868660"/>
+            <a:ext cx="266400" cy="1051784"/>
+            <a:chOff x="3480049" y="1868660"/>
+            <a:chExt cx="266400" cy="1051784"/>
+          </a:xfrm>
+        </p:grpSpPr>
+        <p:sp>
+          <p:nvSpPr>
+            <p:cNvPr id="44" name="Овал 43">
+              <a:extLst>
+                <a:ext uri="{FF2B5EF4-FFF2-40B4-BE49-F238E27FC236}">
+                  <a16:creationId xmlns:a16="http://schemas.microsoft.com/office/drawing/2014/main" id="{29551B53-E2F1-4586-833A-01136D88801E}"/>
+                </a:ext>
+              </a:extLst>
+            </p:cNvPr>
+            <p:cNvSpPr/>
+            <p:nvPr/>
+          </p:nvSpPr>
+          <p:spPr>
+            <a:xfrm>
+              <a:off x="3506680" y="2352583"/>
+              <a:ext cx="204186" cy="204187"/>
+            </a:xfrm>
+            <a:prstGeom prst="ellipse">
+              <a:avLst/>
+            </a:prstGeom>
+            <a:solidFill>
+              <a:schemeClr val="accent2">
+                <a:lumMod val="40000"/>
+                <a:lumOff val="60000"/>
+              </a:schemeClr>
+            </a:solidFill>
+            <a:ln>
+              <a:solidFill>
+                <a:schemeClr val="bg2">
+                  <a:lumMod val="50000"/>
+                </a:schemeClr>
+              </a:solidFill>
+            </a:ln>
+          </p:spPr>
+          <p:style>
+            <a:lnRef idx="2">
+              <a:schemeClr val="accent1">
+                <a:shade val="50000"/>
+              </a:schemeClr>
+            </a:lnRef>
+            <a:fillRef idx="1">
+              <a:schemeClr val="accent1"/>
+            </a:fillRef>
+            <a:effectRef idx="0">
+              <a:schemeClr val="accent1"/>
+            </a:effectRef>
+            <a:fontRef idx="minor">
+              <a:schemeClr val="lt1"/>
+            </a:fontRef>
+          </p:style>
+          <p:txBody>
+            <a:bodyPr rtlCol="0" anchor="ctr"/>
+            <a:lstStyle/>
+            <a:p>
+              <a:pPr algn="ctr"/>
+              <a:endParaRPr lang="ru-RU"/>
+            </a:p>
+          </p:txBody>
+        </p:sp>
+        <p:cxnSp>
+          <p:nvCxnSpPr>
+            <p:cNvPr id="45" name="Прямая соединительная линия 44">
+              <a:extLst>
+                <a:ext uri="{FF2B5EF4-FFF2-40B4-BE49-F238E27FC236}">
+                  <a16:creationId xmlns:a16="http://schemas.microsoft.com/office/drawing/2014/main" id="{14CAFFF8-1E48-4840-A6D1-9E41A5291CA0}"/>
+                </a:ext>
+              </a:extLst>
+            </p:cNvPr>
+            <p:cNvCxnSpPr/>
+            <p:nvPr/>
+          </p:nvCxnSpPr>
+          <p:spPr>
+            <a:xfrm>
+              <a:off x="3608773" y="2556770"/>
+              <a:ext cx="0" cy="363674"/>
+            </a:xfrm>
+            <a:prstGeom prst="line">
+              <a:avLst/>
+            </a:prstGeom>
+          </p:spPr>
+          <p:style>
+            <a:lnRef idx="1">
+              <a:schemeClr val="dk1"/>
+            </a:lnRef>
+            <a:fillRef idx="0">
+              <a:schemeClr val="dk1"/>
+            </a:fillRef>
+            <a:effectRef idx="0">
+              <a:schemeClr val="dk1"/>
+            </a:effectRef>
+            <a:fontRef idx="minor">
+              <a:schemeClr val="tx1"/>
+            </a:fontRef>
+          </p:style>
+        </p:cxnSp>
+        <p:sp>
+          <p:nvSpPr>
+            <p:cNvPr id="46" name="Дуга 45">
+              <a:extLst>
+                <a:ext uri="{FF2B5EF4-FFF2-40B4-BE49-F238E27FC236}">
+                  <a16:creationId xmlns:a16="http://schemas.microsoft.com/office/drawing/2014/main" id="{718EAB96-8B42-4778-B18D-FFD34E122561}"/>
+                </a:ext>
+              </a:extLst>
+            </p:cNvPr>
+            <p:cNvSpPr/>
+            <p:nvPr/>
+          </p:nvSpPr>
+          <p:spPr>
+            <a:xfrm>
+              <a:off x="3480049" y="2317072"/>
+              <a:ext cx="266400" cy="234000"/>
+            </a:xfrm>
+            <a:prstGeom prst="arc">
+              <a:avLst>
+                <a:gd name="adj1" fmla="val 10975808"/>
+                <a:gd name="adj2" fmla="val 11"/>
+              </a:avLst>
+            </a:prstGeom>
+          </p:spPr>
+          <p:style>
+            <a:lnRef idx="1">
+              <a:schemeClr val="dk1"/>
+            </a:lnRef>
+            <a:fillRef idx="0">
+              <a:schemeClr val="dk1"/>
+            </a:fillRef>
+            <a:effectRef idx="0">
+              <a:schemeClr val="dk1"/>
+            </a:effectRef>
+            <a:fontRef idx="minor">
+              <a:schemeClr val="tx1"/>
+            </a:fontRef>
+          </p:style>
+          <p:txBody>
+            <a:bodyPr rtlCol="0" anchor="ctr"/>
+            <a:lstStyle/>
+            <a:p>
+              <a:pPr algn="ctr"/>
+              <a:endParaRPr lang="ru-RU"/>
+            </a:p>
+          </p:txBody>
+        </p:sp>
+        <p:cxnSp>
+          <p:nvCxnSpPr>
+            <p:cNvPr id="47" name="Прямая соединительная линия 46">
+              <a:extLst>
+                <a:ext uri="{FF2B5EF4-FFF2-40B4-BE49-F238E27FC236}">
+                  <a16:creationId xmlns:a16="http://schemas.microsoft.com/office/drawing/2014/main" id="{3701579D-C6C4-4BCF-9B36-C12C3CA5B455}"/>
+                </a:ext>
+              </a:extLst>
+            </p:cNvPr>
+            <p:cNvCxnSpPr>
+              <a:cxnSpLocks/>
+            </p:cNvCxnSpPr>
+            <p:nvPr/>
+          </p:nvCxnSpPr>
+          <p:spPr>
+            <a:xfrm>
+              <a:off x="3608773" y="1868660"/>
+              <a:ext cx="0" cy="448412"/>
+            </a:xfrm>
+            <a:prstGeom prst="line">
+              <a:avLst/>
+            </a:prstGeom>
+          </p:spPr>
+          <p:style>
+            <a:lnRef idx="1">
+              <a:schemeClr val="dk1"/>
+            </a:lnRef>
+            <a:fillRef idx="0">
+              <a:schemeClr val="dk1"/>
+            </a:fillRef>
+            <a:effectRef idx="0">
+              <a:schemeClr val="dk1"/>
+            </a:effectRef>
+            <a:fontRef idx="minor">
+              <a:schemeClr val="tx1"/>
+            </a:fontRef>
+          </p:style>
+        </p:cxnSp>
+      </p:grpSp>
+      <p:grpSp>
+        <p:nvGrpSpPr>
+          <p:cNvPr id="48" name="Группа 47">
+            <a:extLst>
+              <a:ext uri="{FF2B5EF4-FFF2-40B4-BE49-F238E27FC236}">
+                <a16:creationId xmlns:a16="http://schemas.microsoft.com/office/drawing/2014/main" id="{A9AE99B9-18B6-4092-9745-EBB7B8DB486F}"/>
+              </a:ext>
+            </a:extLst>
+          </p:cNvPr>
+          <p:cNvGrpSpPr/>
+          <p:nvPr/>
+        </p:nvGrpSpPr>
+        <p:grpSpPr>
+          <a:xfrm rot="10800000">
+            <a:off x="1706621" y="3781359"/>
+            <a:ext cx="266400" cy="1051784"/>
+            <a:chOff x="3480049" y="1868660"/>
+            <a:chExt cx="266400" cy="1051784"/>
+          </a:xfrm>
+        </p:grpSpPr>
+        <p:sp>
+          <p:nvSpPr>
+            <p:cNvPr id="49" name="Овал 48">
+              <a:extLst>
+                <a:ext uri="{FF2B5EF4-FFF2-40B4-BE49-F238E27FC236}">
+                  <a16:creationId xmlns:a16="http://schemas.microsoft.com/office/drawing/2014/main" id="{AD9B8C58-6E1C-48DE-B91D-F771AD038573}"/>
+                </a:ext>
+              </a:extLst>
+            </p:cNvPr>
+            <p:cNvSpPr/>
+            <p:nvPr/>
+          </p:nvSpPr>
+          <p:spPr>
+            <a:xfrm>
+              <a:off x="3506680" y="2352583"/>
+              <a:ext cx="204186" cy="204187"/>
+            </a:xfrm>
+            <a:prstGeom prst="ellipse">
+              <a:avLst/>
+            </a:prstGeom>
+            <a:solidFill>
+              <a:schemeClr val="accent2">
+                <a:lumMod val="40000"/>
+                <a:lumOff val="60000"/>
+              </a:schemeClr>
+            </a:solidFill>
+            <a:ln>
+              <a:solidFill>
+                <a:schemeClr val="bg2">
+                  <a:lumMod val="50000"/>
+                </a:schemeClr>
+              </a:solidFill>
+            </a:ln>
+          </p:spPr>
+          <p:style>
+            <a:lnRef idx="2">
+              <a:schemeClr val="accent1">
+                <a:shade val="50000"/>
+              </a:schemeClr>
+            </a:lnRef>
+            <a:fillRef idx="1">
+              <a:schemeClr val="accent1"/>
+            </a:fillRef>
+            <a:effectRef idx="0">
+              <a:schemeClr val="accent1"/>
+            </a:effectRef>
+            <a:fontRef idx="minor">
+              <a:schemeClr val="lt1"/>
+            </a:fontRef>
+          </p:style>
+          <p:txBody>
+            <a:bodyPr rtlCol="0" anchor="ctr"/>
+            <a:lstStyle/>
+            <a:p>
+              <a:pPr algn="ctr"/>
+              <a:endParaRPr lang="ru-RU"/>
+            </a:p>
+          </p:txBody>
+        </p:sp>
+        <p:cxnSp>
+          <p:nvCxnSpPr>
+            <p:cNvPr id="50" name="Прямая соединительная линия 49">
+              <a:extLst>
+                <a:ext uri="{FF2B5EF4-FFF2-40B4-BE49-F238E27FC236}">
+                  <a16:creationId xmlns:a16="http://schemas.microsoft.com/office/drawing/2014/main" id="{52164D22-021B-4735-80BF-A0825EEDB632}"/>
+                </a:ext>
+              </a:extLst>
+            </p:cNvPr>
+            <p:cNvCxnSpPr/>
+            <p:nvPr/>
+          </p:nvCxnSpPr>
+          <p:spPr>
+            <a:xfrm>
+              <a:off x="3608773" y="2556770"/>
+              <a:ext cx="0" cy="363674"/>
+            </a:xfrm>
+            <a:prstGeom prst="line">
+              <a:avLst/>
+            </a:prstGeom>
+          </p:spPr>
+          <p:style>
+            <a:lnRef idx="1">
+              <a:schemeClr val="dk1"/>
+            </a:lnRef>
+            <a:fillRef idx="0">
+              <a:schemeClr val="dk1"/>
+            </a:fillRef>
+            <a:effectRef idx="0">
+              <a:schemeClr val="dk1"/>
+            </a:effectRef>
+            <a:fontRef idx="minor">
+              <a:schemeClr val="tx1"/>
+            </a:fontRef>
+          </p:style>
+        </p:cxnSp>
+        <p:sp>
+          <p:nvSpPr>
+            <p:cNvPr id="51" name="Дуга 50">
+              <a:extLst>
+                <a:ext uri="{FF2B5EF4-FFF2-40B4-BE49-F238E27FC236}">
+                  <a16:creationId xmlns:a16="http://schemas.microsoft.com/office/drawing/2014/main" id="{0A6125EC-A865-4F41-9126-88EE66484361}"/>
+                </a:ext>
+              </a:extLst>
+            </p:cNvPr>
+            <p:cNvSpPr/>
+            <p:nvPr/>
+          </p:nvSpPr>
+          <p:spPr>
+            <a:xfrm>
+              <a:off x="3480049" y="2317072"/>
+              <a:ext cx="266400" cy="234000"/>
+            </a:xfrm>
+            <a:prstGeom prst="arc">
+              <a:avLst>
+                <a:gd name="adj1" fmla="val 10975808"/>
+                <a:gd name="adj2" fmla="val 11"/>
+              </a:avLst>
+            </a:prstGeom>
+          </p:spPr>
+          <p:style>
+            <a:lnRef idx="1">
+              <a:schemeClr val="dk1"/>
+            </a:lnRef>
+            <a:fillRef idx="0">
+              <a:schemeClr val="dk1"/>
+            </a:fillRef>
+            <a:effectRef idx="0">
+              <a:schemeClr val="dk1"/>
+            </a:effectRef>
+            <a:fontRef idx="minor">
+              <a:schemeClr val="tx1"/>
+            </a:fontRef>
+          </p:style>
+          <p:txBody>
+            <a:bodyPr rtlCol="0" anchor="ctr"/>
+            <a:lstStyle/>
+            <a:p>
+              <a:pPr algn="ctr"/>
+              <a:endParaRPr lang="ru-RU"/>
+            </a:p>
+          </p:txBody>
+        </p:sp>
+        <p:cxnSp>
+          <p:nvCxnSpPr>
+            <p:cNvPr id="52" name="Прямая соединительная линия 51">
+              <a:extLst>
+                <a:ext uri="{FF2B5EF4-FFF2-40B4-BE49-F238E27FC236}">
+                  <a16:creationId xmlns:a16="http://schemas.microsoft.com/office/drawing/2014/main" id="{9A2F0291-5B4F-42E5-BD82-F8176F95659F}"/>
+                </a:ext>
+              </a:extLst>
+            </p:cNvPr>
+            <p:cNvCxnSpPr>
+              <a:cxnSpLocks/>
+            </p:cNvCxnSpPr>
+            <p:nvPr/>
+          </p:nvCxnSpPr>
+          <p:spPr>
+            <a:xfrm>
+              <a:off x="3608773" y="1868660"/>
+              <a:ext cx="0" cy="448412"/>
+            </a:xfrm>
+            <a:prstGeom prst="line">
+              <a:avLst/>
+            </a:prstGeom>
+          </p:spPr>
+          <p:style>
+            <a:lnRef idx="1">
+              <a:schemeClr val="dk1"/>
+            </a:lnRef>
+            <a:fillRef idx="0">
+              <a:schemeClr val="dk1"/>
+            </a:fillRef>
+            <a:effectRef idx="0">
+              <a:schemeClr val="dk1"/>
+            </a:effectRef>
+            <a:fontRef idx="minor">
+              <a:schemeClr val="tx1"/>
+            </a:fontRef>
+          </p:style>
+        </p:cxnSp>
+      </p:grpSp>
+    </p:spTree>
+    <p:extLst>
+      <p:ext uri="{BB962C8B-B14F-4D97-AF65-F5344CB8AC3E}">
+        <p14:creationId xmlns:p14="http://schemas.microsoft.com/office/powerpoint/2010/main" val="2748675133"/>
+      </p:ext>
+    </p:extLst>
+  </p:cSld>
+  <p:clrMapOvr>
+    <a:masterClrMapping/>
+  </p:clrMapOvr>
+</p:sld>
+</file>
+
 <file path=ppt/theme/theme1.xml><?xml version="1.0" encoding="utf-8"?>
 <a:theme xmlns:a="http://schemas.openxmlformats.org/drawingml/2006/main" name="Тема Office">
   <a:themeElements>
